--- a/assets/lectures/BPW_Lecture_04.pptx
+++ b/assets/lectures/BPW_Lecture_04.pptx
@@ -26,7 +26,11 @@
     <p:sldId id="312" r:id="rId20"/>
     <p:sldId id="313" r:id="rId21"/>
     <p:sldId id="314" r:id="rId22"/>
-    <p:sldId id="302" r:id="rId23"/>
+    <p:sldId id="317" r:id="rId23"/>
+    <p:sldId id="318" r:id="rId24"/>
+    <p:sldId id="321" r:id="rId25"/>
+    <p:sldId id="320" r:id="rId26"/>
+    <p:sldId id="302" r:id="rId27"/>
   </p:sldIdLst>
   <p:sldSz cx="12192000" cy="6858000"/>
   <p:notesSz cx="6858000" cy="9144000"/>
@@ -292,7 +296,7 @@
           <a:p>
             <a:fld id="{F57857CC-207A-4D73-9A20-C856A5068D10}" type="datetimeFigureOut">
               <a:rPr lang="en-US" smtClean="0"/>
-              <a:t>12/30/18</a:t>
+              <a:t>1/1/19</a:t>
             </a:fld>
             <a:endParaRPr lang="en-US"/>
           </a:p>
@@ -490,7 +494,7 @@
           <a:p>
             <a:fld id="{F57857CC-207A-4D73-9A20-C856A5068D10}" type="datetimeFigureOut">
               <a:rPr lang="en-US" smtClean="0"/>
-              <a:t>12/30/18</a:t>
+              <a:t>1/1/19</a:t>
             </a:fld>
             <a:endParaRPr lang="en-US"/>
           </a:p>
@@ -698,7 +702,7 @@
           <a:p>
             <a:fld id="{F57857CC-207A-4D73-9A20-C856A5068D10}" type="datetimeFigureOut">
               <a:rPr lang="en-US" smtClean="0"/>
-              <a:t>12/30/18</a:t>
+              <a:t>1/1/19</a:t>
             </a:fld>
             <a:endParaRPr lang="en-US"/>
           </a:p>
@@ -896,7 +900,7 @@
           <a:p>
             <a:fld id="{F57857CC-207A-4D73-9A20-C856A5068D10}" type="datetimeFigureOut">
               <a:rPr lang="en-US" smtClean="0"/>
-              <a:t>12/30/18</a:t>
+              <a:t>1/1/19</a:t>
             </a:fld>
             <a:endParaRPr lang="en-US"/>
           </a:p>
@@ -1171,7 +1175,7 @@
           <a:p>
             <a:fld id="{F57857CC-207A-4D73-9A20-C856A5068D10}" type="datetimeFigureOut">
               <a:rPr lang="en-US" smtClean="0"/>
-              <a:t>12/30/18</a:t>
+              <a:t>1/1/19</a:t>
             </a:fld>
             <a:endParaRPr lang="en-US"/>
           </a:p>
@@ -1436,7 +1440,7 @@
           <a:p>
             <a:fld id="{F57857CC-207A-4D73-9A20-C856A5068D10}" type="datetimeFigureOut">
               <a:rPr lang="en-US" smtClean="0"/>
-              <a:t>12/30/18</a:t>
+              <a:t>1/1/19</a:t>
             </a:fld>
             <a:endParaRPr lang="en-US"/>
           </a:p>
@@ -1848,7 +1852,7 @@
           <a:p>
             <a:fld id="{F57857CC-207A-4D73-9A20-C856A5068D10}" type="datetimeFigureOut">
               <a:rPr lang="en-US" smtClean="0"/>
-              <a:t>12/30/18</a:t>
+              <a:t>1/1/19</a:t>
             </a:fld>
             <a:endParaRPr lang="en-US"/>
           </a:p>
@@ -1989,7 +1993,7 @@
           <a:p>
             <a:fld id="{F57857CC-207A-4D73-9A20-C856A5068D10}" type="datetimeFigureOut">
               <a:rPr lang="en-US" smtClean="0"/>
-              <a:t>12/30/18</a:t>
+              <a:t>1/1/19</a:t>
             </a:fld>
             <a:endParaRPr lang="en-US"/>
           </a:p>
@@ -2102,7 +2106,7 @@
           <a:p>
             <a:fld id="{F57857CC-207A-4D73-9A20-C856A5068D10}" type="datetimeFigureOut">
               <a:rPr lang="en-US" smtClean="0"/>
-              <a:t>12/30/18</a:t>
+              <a:t>1/1/19</a:t>
             </a:fld>
             <a:endParaRPr lang="en-US"/>
           </a:p>
@@ -2413,7 +2417,7 @@
           <a:p>
             <a:fld id="{F57857CC-207A-4D73-9A20-C856A5068D10}" type="datetimeFigureOut">
               <a:rPr lang="en-US" smtClean="0"/>
-              <a:t>12/30/18</a:t>
+              <a:t>1/1/19</a:t>
             </a:fld>
             <a:endParaRPr lang="en-US"/>
           </a:p>
@@ -2701,7 +2705,7 @@
           <a:p>
             <a:fld id="{F57857CC-207A-4D73-9A20-C856A5068D10}" type="datetimeFigureOut">
               <a:rPr lang="en-US" smtClean="0"/>
-              <a:t>12/30/18</a:t>
+              <a:t>1/1/19</a:t>
             </a:fld>
             <a:endParaRPr lang="en-US"/>
           </a:p>
@@ -2942,7 +2946,7 @@
           <a:p>
             <a:fld id="{F57857CC-207A-4D73-9A20-C856A5068D10}" type="datetimeFigureOut">
               <a:rPr lang="en-US" smtClean="0"/>
-              <a:t>12/30/18</a:t>
+              <a:t>1/1/19</a:t>
             </a:fld>
             <a:endParaRPr lang="en-US"/>
           </a:p>
@@ -3799,10 +3803,10 @@
       </p:sp>
       <p:sp>
         <p:nvSpPr>
-          <p:cNvPr id="7" name="TextBox 6">
-            <a:extLst>
-              <a:ext uri="{FF2B5EF4-FFF2-40B4-BE49-F238E27FC236}">
-                <a16:creationId xmlns:a16="http://schemas.microsoft.com/office/drawing/2014/main" id="{FF6DFC10-13E6-D541-BEBF-C48E2DFE6FF7}"/>
+          <p:cNvPr id="9" name="TextBox 8">
+            <a:extLst>
+              <a:ext uri="{FF2B5EF4-FFF2-40B4-BE49-F238E27FC236}">
+                <a16:creationId xmlns:a16="http://schemas.microsoft.com/office/drawing/2014/main" id="{A7E5823A-8BA3-DA4D-9C94-694DD2A11E1A}"/>
               </a:ext>
             </a:extLst>
           </p:cNvPr>
@@ -3811,8 +3815,8 @@
         </p:nvSpPr>
         <p:spPr>
           <a:xfrm>
-            <a:off x="340241" y="3242724"/>
-            <a:ext cx="9976267" cy="3034357"/>
+            <a:off x="340241" y="2305358"/>
+            <a:ext cx="9976267" cy="4050019"/>
           </a:xfrm>
           <a:prstGeom prst="rect">
             <a:avLst/>
@@ -3873,6 +3877,25 @@
                 </a:solidFill>
               </a:rPr>
               <a:t> The Position Parameter</a:t>
+            </a:r>
+          </a:p>
+          <a:p>
+            <a:pPr marL="285750" indent="-285750">
+              <a:lnSpc>
+                <a:spcPct val="150000"/>
+              </a:lnSpc>
+              <a:buFont typeface="Arial" panose="020B0604020202020204" pitchFamily="34" charset="0"/>
+              <a:buChar char="•"/>
+            </a:pPr>
+            <a:r>
+              <a:rPr lang="en-US" sz="4400" dirty="0">
+                <a:solidFill>
+                  <a:schemeClr val="bg1">
+                    <a:lumMod val="65000"/>
+                  </a:schemeClr>
+                </a:solidFill>
+              </a:rPr>
+              <a:t> Creating a Navigation Bar</a:t>
             </a:r>
           </a:p>
         </p:txBody>
@@ -7843,10 +7866,10 @@
       </p:sp>
       <p:sp>
         <p:nvSpPr>
-          <p:cNvPr id="7" name="TextBox 6">
-            <a:extLst>
-              <a:ext uri="{FF2B5EF4-FFF2-40B4-BE49-F238E27FC236}">
-                <a16:creationId xmlns:a16="http://schemas.microsoft.com/office/drawing/2014/main" id="{B95B9741-E358-504D-8A20-7528263887FD}"/>
+          <p:cNvPr id="9" name="TextBox 8">
+            <a:extLst>
+              <a:ext uri="{FF2B5EF4-FFF2-40B4-BE49-F238E27FC236}">
+                <a16:creationId xmlns:a16="http://schemas.microsoft.com/office/drawing/2014/main" id="{70CE62FC-7D51-6C40-B2AE-7DDDD8CCE46F}"/>
               </a:ext>
             </a:extLst>
           </p:cNvPr>
@@ -7855,8 +7878,8 @@
         </p:nvSpPr>
         <p:spPr>
           <a:xfrm>
-            <a:off x="340241" y="3242724"/>
-            <a:ext cx="9976267" cy="3034357"/>
+            <a:off x="340241" y="2305358"/>
+            <a:ext cx="9976267" cy="4050019"/>
           </a:xfrm>
           <a:prstGeom prst="rect">
             <a:avLst/>
@@ -7917,6 +7940,25 @@
             <a:r>
               <a:rPr lang="en-US" sz="4400" dirty="0"/>
               <a:t> The Position Parameter</a:t>
+            </a:r>
+          </a:p>
+          <a:p>
+            <a:pPr marL="285750" indent="-285750">
+              <a:lnSpc>
+                <a:spcPct val="150000"/>
+              </a:lnSpc>
+              <a:buFont typeface="Arial" panose="020B0604020202020204" pitchFamily="34" charset="0"/>
+              <a:buChar char="•"/>
+            </a:pPr>
+            <a:r>
+              <a:rPr lang="en-US" sz="4400" dirty="0">
+                <a:solidFill>
+                  <a:schemeClr val="bg1">
+                    <a:lumMod val="65000"/>
+                  </a:schemeClr>
+                </a:solidFill>
+              </a:rPr>
+              <a:t> Creating a Navigation Bar</a:t>
             </a:r>
           </a:p>
         </p:txBody>
@@ -8176,49 +8218,6 @@
           </a:p>
         </p:txBody>
       </p:sp>
-      <p:cxnSp>
-        <p:nvCxnSpPr>
-          <p:cNvPr id="14" name="Straight Connector 13">
-            <a:extLst>
-              <a:ext uri="{FF2B5EF4-FFF2-40B4-BE49-F238E27FC236}">
-                <a16:creationId xmlns:a16="http://schemas.microsoft.com/office/drawing/2014/main" id="{0E34E666-1C43-43A4-929C-2878277641B4}"/>
-              </a:ext>
-            </a:extLst>
-          </p:cNvPr>
-          <p:cNvCxnSpPr/>
-          <p:nvPr/>
-        </p:nvCxnSpPr>
-        <p:spPr>
-          <a:xfrm>
-            <a:off x="5774635" y="1053835"/>
-            <a:ext cx="646043" cy="0"/>
-          </a:xfrm>
-          <a:prstGeom prst="line">
-            <a:avLst/>
-          </a:prstGeom>
-          <a:ln w="19050">
-            <a:solidFill>
-              <a:schemeClr val="bg1">
-                <a:lumMod val="50000"/>
-              </a:schemeClr>
-            </a:solidFill>
-          </a:ln>
-        </p:spPr>
-        <p:style>
-          <a:lnRef idx="1">
-            <a:schemeClr val="accent1"/>
-          </a:lnRef>
-          <a:fillRef idx="0">
-            <a:schemeClr val="accent1"/>
-          </a:fillRef>
-          <a:effectRef idx="0">
-            <a:schemeClr val="accent1"/>
-          </a:effectRef>
-          <a:fontRef idx="minor">
-            <a:schemeClr val="tx1"/>
-          </a:fontRef>
-        </p:style>
-      </p:cxnSp>
       <p:pic>
         <p:nvPicPr>
           <p:cNvPr id="1026" name="Picture 2" descr="https://i.gyazo.com/69fd8bd98372639082f07cd501deaf6d.png">
@@ -8718,6 +8717,45 @@
           </a:p>
         </p:txBody>
       </p:sp>
+      <p:cxnSp>
+        <p:nvCxnSpPr>
+          <p:cNvPr id="15" name="Straight Connector 14">
+            <a:extLst>
+              <a:ext uri="{FF2B5EF4-FFF2-40B4-BE49-F238E27FC236}">
+                <a16:creationId xmlns:a16="http://schemas.microsoft.com/office/drawing/2014/main" id="{2EF0A910-C6E0-8A41-8AA5-61FF4F72B4AA}"/>
+              </a:ext>
+            </a:extLst>
+          </p:cNvPr>
+          <p:cNvCxnSpPr>
+            <a:cxnSpLocks/>
+          </p:cNvCxnSpPr>
+          <p:nvPr/>
+        </p:nvCxnSpPr>
+        <p:spPr>
+          <a:xfrm>
+            <a:off x="5883355" y="1013664"/>
+            <a:ext cx="419986" cy="0"/>
+          </a:xfrm>
+          <a:prstGeom prst="line">
+            <a:avLst/>
+          </a:prstGeom>
+          <a:ln w="28575"/>
+        </p:spPr>
+        <p:style>
+          <a:lnRef idx="1">
+            <a:schemeClr val="dk1"/>
+          </a:lnRef>
+          <a:fillRef idx="0">
+            <a:schemeClr val="dk1"/>
+          </a:fillRef>
+          <a:effectRef idx="0">
+            <a:schemeClr val="dk1"/>
+          </a:effectRef>
+          <a:fontRef idx="minor">
+            <a:schemeClr val="tx1"/>
+          </a:fontRef>
+        </p:style>
+      </p:cxnSp>
     </p:spTree>
     <p:extLst>
       <p:ext uri="{BB962C8B-B14F-4D97-AF65-F5344CB8AC3E}">
@@ -9152,49 +9190,6 @@
           </a:p>
         </p:txBody>
       </p:sp>
-      <p:cxnSp>
-        <p:nvCxnSpPr>
-          <p:cNvPr id="14" name="Straight Connector 13">
-            <a:extLst>
-              <a:ext uri="{FF2B5EF4-FFF2-40B4-BE49-F238E27FC236}">
-                <a16:creationId xmlns:a16="http://schemas.microsoft.com/office/drawing/2014/main" id="{0E34E666-1C43-43A4-929C-2878277641B4}"/>
-              </a:ext>
-            </a:extLst>
-          </p:cNvPr>
-          <p:cNvCxnSpPr/>
-          <p:nvPr/>
-        </p:nvCxnSpPr>
-        <p:spPr>
-          <a:xfrm>
-            <a:off x="5774635" y="1053835"/>
-            <a:ext cx="646043" cy="0"/>
-          </a:xfrm>
-          <a:prstGeom prst="line">
-            <a:avLst/>
-          </a:prstGeom>
-          <a:ln w="19050">
-            <a:solidFill>
-              <a:schemeClr val="bg1">
-                <a:lumMod val="50000"/>
-              </a:schemeClr>
-            </a:solidFill>
-          </a:ln>
-        </p:spPr>
-        <p:style>
-          <a:lnRef idx="1">
-            <a:schemeClr val="accent1"/>
-          </a:lnRef>
-          <a:fillRef idx="0">
-            <a:schemeClr val="accent1"/>
-          </a:fillRef>
-          <a:effectRef idx="0">
-            <a:schemeClr val="accent1"/>
-          </a:effectRef>
-          <a:fontRef idx="minor">
-            <a:schemeClr val="tx1"/>
-          </a:fontRef>
-        </p:style>
-      </p:cxnSp>
       <p:pic>
         <p:nvPicPr>
           <p:cNvPr id="1026" name="Picture 2" descr="https://i.gyazo.com/69fd8bd98372639082f07cd501deaf6d.png">
@@ -9619,6 +9614,45 @@
           </a:p>
         </p:txBody>
       </p:sp>
+      <p:cxnSp>
+        <p:nvCxnSpPr>
+          <p:cNvPr id="13" name="Straight Connector 12">
+            <a:extLst>
+              <a:ext uri="{FF2B5EF4-FFF2-40B4-BE49-F238E27FC236}">
+                <a16:creationId xmlns:a16="http://schemas.microsoft.com/office/drawing/2014/main" id="{B6637DC3-42F4-4743-82F0-9F932B9B20A7}"/>
+              </a:ext>
+            </a:extLst>
+          </p:cNvPr>
+          <p:cNvCxnSpPr>
+            <a:cxnSpLocks/>
+          </p:cNvCxnSpPr>
+          <p:nvPr/>
+        </p:nvCxnSpPr>
+        <p:spPr>
+          <a:xfrm>
+            <a:off x="5883355" y="1013664"/>
+            <a:ext cx="419986" cy="0"/>
+          </a:xfrm>
+          <a:prstGeom prst="line">
+            <a:avLst/>
+          </a:prstGeom>
+          <a:ln w="28575"/>
+        </p:spPr>
+        <p:style>
+          <a:lnRef idx="1">
+            <a:schemeClr val="dk1"/>
+          </a:lnRef>
+          <a:fillRef idx="0">
+            <a:schemeClr val="dk1"/>
+          </a:fillRef>
+          <a:effectRef idx="0">
+            <a:schemeClr val="dk1"/>
+          </a:effectRef>
+          <a:fontRef idx="minor">
+            <a:schemeClr val="tx1"/>
+          </a:fontRef>
+        </p:style>
+      </p:cxnSp>
     </p:spTree>
     <p:extLst>
       <p:ext uri="{BB962C8B-B14F-4D97-AF65-F5344CB8AC3E}">
@@ -9921,49 +9955,6 @@
           </a:p>
         </p:txBody>
       </p:sp>
-      <p:cxnSp>
-        <p:nvCxnSpPr>
-          <p:cNvPr id="14" name="Straight Connector 13">
-            <a:extLst>
-              <a:ext uri="{FF2B5EF4-FFF2-40B4-BE49-F238E27FC236}">
-                <a16:creationId xmlns:a16="http://schemas.microsoft.com/office/drawing/2014/main" id="{0E34E666-1C43-43A4-929C-2878277641B4}"/>
-              </a:ext>
-            </a:extLst>
-          </p:cNvPr>
-          <p:cNvCxnSpPr/>
-          <p:nvPr/>
-        </p:nvCxnSpPr>
-        <p:spPr>
-          <a:xfrm>
-            <a:off x="5774635" y="1053835"/>
-            <a:ext cx="646043" cy="0"/>
-          </a:xfrm>
-          <a:prstGeom prst="line">
-            <a:avLst/>
-          </a:prstGeom>
-          <a:ln w="19050">
-            <a:solidFill>
-              <a:schemeClr val="bg1">
-                <a:lumMod val="50000"/>
-              </a:schemeClr>
-            </a:solidFill>
-          </a:ln>
-        </p:spPr>
-        <p:style>
-          <a:lnRef idx="1">
-            <a:schemeClr val="accent1"/>
-          </a:lnRef>
-          <a:fillRef idx="0">
-            <a:schemeClr val="accent1"/>
-          </a:fillRef>
-          <a:effectRef idx="0">
-            <a:schemeClr val="accent1"/>
-          </a:effectRef>
-          <a:fontRef idx="minor">
-            <a:schemeClr val="tx1"/>
-          </a:fontRef>
-        </p:style>
-      </p:cxnSp>
       <p:sp>
         <p:nvSpPr>
           <p:cNvPr id="11" name="Rectangle 10">
@@ -10336,6 +10327,45 @@
           </a:p>
         </p:txBody>
       </p:sp>
+      <p:cxnSp>
+        <p:nvCxnSpPr>
+          <p:cNvPr id="17" name="Straight Connector 16">
+            <a:extLst>
+              <a:ext uri="{FF2B5EF4-FFF2-40B4-BE49-F238E27FC236}">
+                <a16:creationId xmlns:a16="http://schemas.microsoft.com/office/drawing/2014/main" id="{2989AD5D-2FD1-6E4C-BDD8-3A0590F05895}"/>
+              </a:ext>
+            </a:extLst>
+          </p:cNvPr>
+          <p:cNvCxnSpPr>
+            <a:cxnSpLocks/>
+          </p:cNvCxnSpPr>
+          <p:nvPr/>
+        </p:nvCxnSpPr>
+        <p:spPr>
+          <a:xfrm>
+            <a:off x="5883355" y="1013664"/>
+            <a:ext cx="419986" cy="0"/>
+          </a:xfrm>
+          <a:prstGeom prst="line">
+            <a:avLst/>
+          </a:prstGeom>
+          <a:ln w="28575"/>
+        </p:spPr>
+        <p:style>
+          <a:lnRef idx="1">
+            <a:schemeClr val="dk1"/>
+          </a:lnRef>
+          <a:fillRef idx="0">
+            <a:schemeClr val="dk1"/>
+          </a:fillRef>
+          <a:effectRef idx="0">
+            <a:schemeClr val="dk1"/>
+          </a:effectRef>
+          <a:fontRef idx="minor">
+            <a:schemeClr val="tx1"/>
+          </a:fontRef>
+        </p:style>
+      </p:cxnSp>
     </p:spTree>
     <p:extLst>
       <p:ext uri="{BB962C8B-B14F-4D97-AF65-F5344CB8AC3E}">
@@ -10570,8 +10600,8 @@
         </p:nvSpPr>
         <p:spPr>
           <a:xfrm>
-            <a:off x="340241" y="3242724"/>
-            <a:ext cx="9976267" cy="3034357"/>
+            <a:off x="340241" y="2305358"/>
+            <a:ext cx="9976267" cy="4050019"/>
           </a:xfrm>
           <a:prstGeom prst="rect">
             <a:avLst/>
@@ -10632,6 +10662,25 @@
                 </a:solidFill>
               </a:rPr>
               <a:t> The Position Parameter</a:t>
+            </a:r>
+          </a:p>
+          <a:p>
+            <a:pPr marL="285750" indent="-285750">
+              <a:lnSpc>
+                <a:spcPct val="150000"/>
+              </a:lnSpc>
+              <a:buFont typeface="Arial" panose="020B0604020202020204" pitchFamily="34" charset="0"/>
+              <a:buChar char="•"/>
+            </a:pPr>
+            <a:r>
+              <a:rPr lang="en-US" sz="4400" dirty="0">
+                <a:solidFill>
+                  <a:schemeClr val="bg1">
+                    <a:lumMod val="65000"/>
+                  </a:schemeClr>
+                </a:solidFill>
+              </a:rPr>
+              <a:t> Creating a Navigation Bar</a:t>
             </a:r>
           </a:p>
         </p:txBody>
@@ -10938,49 +10987,6 @@
           </a:p>
         </p:txBody>
       </p:sp>
-      <p:cxnSp>
-        <p:nvCxnSpPr>
-          <p:cNvPr id="14" name="Straight Connector 13">
-            <a:extLst>
-              <a:ext uri="{FF2B5EF4-FFF2-40B4-BE49-F238E27FC236}">
-                <a16:creationId xmlns:a16="http://schemas.microsoft.com/office/drawing/2014/main" id="{0E34E666-1C43-43A4-929C-2878277641B4}"/>
-              </a:ext>
-            </a:extLst>
-          </p:cNvPr>
-          <p:cNvCxnSpPr/>
-          <p:nvPr/>
-        </p:nvCxnSpPr>
-        <p:spPr>
-          <a:xfrm>
-            <a:off x="5774635" y="1053835"/>
-            <a:ext cx="646043" cy="0"/>
-          </a:xfrm>
-          <a:prstGeom prst="line">
-            <a:avLst/>
-          </a:prstGeom>
-          <a:ln w="19050">
-            <a:solidFill>
-              <a:schemeClr val="bg1">
-                <a:lumMod val="50000"/>
-              </a:schemeClr>
-            </a:solidFill>
-          </a:ln>
-        </p:spPr>
-        <p:style>
-          <a:lnRef idx="1">
-            <a:schemeClr val="accent1"/>
-          </a:lnRef>
-          <a:fillRef idx="0">
-            <a:schemeClr val="accent1"/>
-          </a:fillRef>
-          <a:effectRef idx="0">
-            <a:schemeClr val="accent1"/>
-          </a:effectRef>
-          <a:fontRef idx="minor">
-            <a:schemeClr val="tx1"/>
-          </a:fontRef>
-        </p:style>
-      </p:cxnSp>
       <p:sp>
         <p:nvSpPr>
           <p:cNvPr id="11" name="Rectangle 10">
@@ -11353,6 +11359,45 @@
           </a:p>
         </p:txBody>
       </p:sp>
+      <p:cxnSp>
+        <p:nvCxnSpPr>
+          <p:cNvPr id="17" name="Straight Connector 16">
+            <a:extLst>
+              <a:ext uri="{FF2B5EF4-FFF2-40B4-BE49-F238E27FC236}">
+                <a16:creationId xmlns:a16="http://schemas.microsoft.com/office/drawing/2014/main" id="{D819651C-D46B-5F41-BF9F-0A7FC1636AF7}"/>
+              </a:ext>
+            </a:extLst>
+          </p:cNvPr>
+          <p:cNvCxnSpPr>
+            <a:cxnSpLocks/>
+          </p:cNvCxnSpPr>
+          <p:nvPr/>
+        </p:nvCxnSpPr>
+        <p:spPr>
+          <a:xfrm>
+            <a:off x="5883355" y="1013664"/>
+            <a:ext cx="419986" cy="0"/>
+          </a:xfrm>
+          <a:prstGeom prst="line">
+            <a:avLst/>
+          </a:prstGeom>
+          <a:ln w="28575"/>
+        </p:spPr>
+        <p:style>
+          <a:lnRef idx="1">
+            <a:schemeClr val="dk1"/>
+          </a:lnRef>
+          <a:fillRef idx="0">
+            <a:schemeClr val="dk1"/>
+          </a:fillRef>
+          <a:effectRef idx="0">
+            <a:schemeClr val="dk1"/>
+          </a:effectRef>
+          <a:fontRef idx="minor">
+            <a:schemeClr val="tx1"/>
+          </a:fontRef>
+        </p:style>
+      </p:cxnSp>
     </p:spTree>
     <p:extLst>
       <p:ext uri="{BB962C8B-B14F-4D97-AF65-F5344CB8AC3E}">
@@ -11608,49 +11653,6 @@
           </a:p>
         </p:txBody>
       </p:sp>
-      <p:cxnSp>
-        <p:nvCxnSpPr>
-          <p:cNvPr id="14" name="Straight Connector 13">
-            <a:extLst>
-              <a:ext uri="{FF2B5EF4-FFF2-40B4-BE49-F238E27FC236}">
-                <a16:creationId xmlns:a16="http://schemas.microsoft.com/office/drawing/2014/main" id="{0E34E666-1C43-43A4-929C-2878277641B4}"/>
-              </a:ext>
-            </a:extLst>
-          </p:cNvPr>
-          <p:cNvCxnSpPr/>
-          <p:nvPr/>
-        </p:nvCxnSpPr>
-        <p:spPr>
-          <a:xfrm>
-            <a:off x="5774635" y="1053835"/>
-            <a:ext cx="646043" cy="0"/>
-          </a:xfrm>
-          <a:prstGeom prst="line">
-            <a:avLst/>
-          </a:prstGeom>
-          <a:ln w="19050">
-            <a:solidFill>
-              <a:schemeClr val="bg1">
-                <a:lumMod val="50000"/>
-              </a:schemeClr>
-            </a:solidFill>
-          </a:ln>
-        </p:spPr>
-        <p:style>
-          <a:lnRef idx="1">
-            <a:schemeClr val="accent1"/>
-          </a:lnRef>
-          <a:fillRef idx="0">
-            <a:schemeClr val="accent1"/>
-          </a:fillRef>
-          <a:effectRef idx="0">
-            <a:schemeClr val="accent1"/>
-          </a:effectRef>
-          <a:fontRef idx="minor">
-            <a:schemeClr val="tx1"/>
-          </a:fontRef>
-        </p:style>
-      </p:cxnSp>
       <p:pic>
         <p:nvPicPr>
           <p:cNvPr id="1026" name="Picture 2" descr="https://i.gyazo.com/69fd8bd98372639082f07cd501deaf6d.png">
@@ -12105,6 +12107,45 @@
           </a:p>
         </p:txBody>
       </p:sp>
+      <p:cxnSp>
+        <p:nvCxnSpPr>
+          <p:cNvPr id="13" name="Straight Connector 12">
+            <a:extLst>
+              <a:ext uri="{FF2B5EF4-FFF2-40B4-BE49-F238E27FC236}">
+                <a16:creationId xmlns:a16="http://schemas.microsoft.com/office/drawing/2014/main" id="{D94B9733-5DD4-B743-A70C-16CE44C64FE5}"/>
+              </a:ext>
+            </a:extLst>
+          </p:cNvPr>
+          <p:cNvCxnSpPr>
+            <a:cxnSpLocks/>
+          </p:cNvCxnSpPr>
+          <p:nvPr/>
+        </p:nvCxnSpPr>
+        <p:spPr>
+          <a:xfrm>
+            <a:off x="5883355" y="1013664"/>
+            <a:ext cx="419986" cy="0"/>
+          </a:xfrm>
+          <a:prstGeom prst="line">
+            <a:avLst/>
+          </a:prstGeom>
+          <a:ln w="28575"/>
+        </p:spPr>
+        <p:style>
+          <a:lnRef idx="1">
+            <a:schemeClr val="dk1"/>
+          </a:lnRef>
+          <a:fillRef idx="0">
+            <a:schemeClr val="dk1"/>
+          </a:fillRef>
+          <a:effectRef idx="0">
+            <a:schemeClr val="dk1"/>
+          </a:effectRef>
+          <a:fontRef idx="minor">
+            <a:schemeClr val="tx1"/>
+          </a:fontRef>
+        </p:style>
+      </p:cxnSp>
     </p:spTree>
     <p:extLst>
       <p:ext uri="{BB962C8B-B14F-4D97-AF65-F5344CB8AC3E}">
@@ -12119,6 +12160,2502 @@
 </file>
 
 <file path=ppt/slides/slide22.xml><?xml version="1.0" encoding="utf-8"?>
+<p:sld xmlns:a="http://schemas.openxmlformats.org/drawingml/2006/main" xmlns:r="http://schemas.openxmlformats.org/officeDocument/2006/relationships" xmlns:p="http://schemas.openxmlformats.org/presentationml/2006/main">
+  <p:cSld>
+    <p:bg>
+      <p:bgPr>
+        <a:solidFill>
+          <a:schemeClr val="bg2"/>
+        </a:solidFill>
+        <a:effectLst/>
+      </p:bgPr>
+    </p:bg>
+    <p:spTree>
+      <p:nvGrpSpPr>
+        <p:cNvPr id="1" name=""/>
+        <p:cNvGrpSpPr/>
+        <p:nvPr/>
+      </p:nvGrpSpPr>
+      <p:grpSpPr>
+        <a:xfrm>
+          <a:off x="0" y="0"/>
+          <a:ext cx="0" cy="0"/>
+          <a:chOff x="0" y="0"/>
+          <a:chExt cx="0" cy="0"/>
+        </a:xfrm>
+      </p:grpSpPr>
+      <p:sp>
+        <p:nvSpPr>
+          <p:cNvPr id="4" name="Rectangle 3">
+            <a:extLst>
+              <a:ext uri="{FF2B5EF4-FFF2-40B4-BE49-F238E27FC236}">
+                <a16:creationId xmlns:a16="http://schemas.microsoft.com/office/drawing/2014/main" id="{678F1DA2-2833-49FF-9287-44720AC6C8D2}"/>
+              </a:ext>
+            </a:extLst>
+          </p:cNvPr>
+          <p:cNvSpPr/>
+          <p:nvPr/>
+        </p:nvSpPr>
+        <p:spPr>
+          <a:xfrm>
+            <a:off x="0" y="6581001"/>
+            <a:ext cx="9976268" cy="276999"/>
+          </a:xfrm>
+          <a:prstGeom prst="rect">
+            <a:avLst/>
+          </a:prstGeom>
+          <a:solidFill>
+            <a:srgbClr val="92D050"/>
+          </a:solidFill>
+          <a:ln>
+            <a:noFill/>
+          </a:ln>
+        </p:spPr>
+        <p:style>
+          <a:lnRef idx="2">
+            <a:schemeClr val="accent1">
+              <a:shade val="50000"/>
+            </a:schemeClr>
+          </a:lnRef>
+          <a:fillRef idx="1">
+            <a:schemeClr val="accent1"/>
+          </a:fillRef>
+          <a:effectRef idx="0">
+            <a:schemeClr val="accent1"/>
+          </a:effectRef>
+          <a:fontRef idx="minor">
+            <a:schemeClr val="lt1"/>
+          </a:fontRef>
+        </p:style>
+        <p:txBody>
+          <a:bodyPr rtlCol="0" anchor="ctr"/>
+          <a:lstStyle/>
+          <a:p>
+            <a:pPr algn="ctr"/>
+            <a:endParaRPr lang="en-US" dirty="0"/>
+          </a:p>
+        </p:txBody>
+      </p:sp>
+      <p:sp>
+        <p:nvSpPr>
+          <p:cNvPr id="5" name="TextBox 4">
+            <a:extLst>
+              <a:ext uri="{FF2B5EF4-FFF2-40B4-BE49-F238E27FC236}">
+                <a16:creationId xmlns:a16="http://schemas.microsoft.com/office/drawing/2014/main" id="{9758F7A4-2143-4CCD-B8B3-8B4A1461ECF9}"/>
+              </a:ext>
+            </a:extLst>
+          </p:cNvPr>
+          <p:cNvSpPr txBox="1"/>
+          <p:nvPr/>
+        </p:nvSpPr>
+        <p:spPr>
+          <a:xfrm>
+            <a:off x="36674" y="6583215"/>
+            <a:ext cx="2682077" cy="276999"/>
+          </a:xfrm>
+          <a:prstGeom prst="rect">
+            <a:avLst/>
+          </a:prstGeom>
+          <a:noFill/>
+        </p:spPr>
+        <p:txBody>
+          <a:bodyPr wrap="square" rtlCol="0">
+            <a:spAutoFit/>
+          </a:bodyPr>
+          <a:lstStyle/>
+          <a:p>
+            <a:r>
+              <a:rPr lang="en-US" sz="1200" dirty="0">
+                <a:solidFill>
+                  <a:schemeClr val="bg1"/>
+                </a:solidFill>
+              </a:rPr>
+              <a:t>Building Personal Websites</a:t>
+            </a:r>
+          </a:p>
+        </p:txBody>
+      </p:sp>
+      <p:sp>
+        <p:nvSpPr>
+          <p:cNvPr id="6" name="Rectangle 5">
+            <a:extLst>
+              <a:ext uri="{FF2B5EF4-FFF2-40B4-BE49-F238E27FC236}">
+                <a16:creationId xmlns:a16="http://schemas.microsoft.com/office/drawing/2014/main" id="{40845236-8634-4353-BA0D-8817FE36EC7A}"/>
+              </a:ext>
+            </a:extLst>
+          </p:cNvPr>
+          <p:cNvSpPr/>
+          <p:nvPr/>
+        </p:nvSpPr>
+        <p:spPr>
+          <a:xfrm>
+            <a:off x="9921514" y="6581001"/>
+            <a:ext cx="2270485" cy="276999"/>
+          </a:xfrm>
+          <a:prstGeom prst="rect">
+            <a:avLst/>
+          </a:prstGeom>
+          <a:solidFill>
+            <a:srgbClr val="00B0F0"/>
+          </a:solidFill>
+          <a:ln>
+            <a:noFill/>
+          </a:ln>
+        </p:spPr>
+        <p:style>
+          <a:lnRef idx="2">
+            <a:schemeClr val="accent1">
+              <a:shade val="50000"/>
+            </a:schemeClr>
+          </a:lnRef>
+          <a:fillRef idx="1">
+            <a:schemeClr val="accent1"/>
+          </a:fillRef>
+          <a:effectRef idx="0">
+            <a:schemeClr val="accent1"/>
+          </a:effectRef>
+          <a:fontRef idx="minor">
+            <a:schemeClr val="lt1"/>
+          </a:fontRef>
+        </p:style>
+        <p:txBody>
+          <a:bodyPr rtlCol="0" anchor="ctr"/>
+          <a:lstStyle/>
+          <a:p>
+            <a:pPr algn="ctr"/>
+            <a:endParaRPr lang="en-US" dirty="0"/>
+          </a:p>
+        </p:txBody>
+      </p:sp>
+      <p:sp>
+        <p:nvSpPr>
+          <p:cNvPr id="8" name="TextBox 7">
+            <a:extLst>
+              <a:ext uri="{FF2B5EF4-FFF2-40B4-BE49-F238E27FC236}">
+                <a16:creationId xmlns:a16="http://schemas.microsoft.com/office/drawing/2014/main" id="{6403EA4A-E7EB-4525-B0D2-13B3997D5780}"/>
+              </a:ext>
+            </a:extLst>
+          </p:cNvPr>
+          <p:cNvSpPr txBox="1"/>
+          <p:nvPr/>
+        </p:nvSpPr>
+        <p:spPr>
+          <a:xfrm>
+            <a:off x="9958188" y="6578787"/>
+            <a:ext cx="2682077" cy="276999"/>
+          </a:xfrm>
+          <a:prstGeom prst="rect">
+            <a:avLst/>
+          </a:prstGeom>
+          <a:noFill/>
+        </p:spPr>
+        <p:txBody>
+          <a:bodyPr wrap="square" rtlCol="0">
+            <a:spAutoFit/>
+          </a:bodyPr>
+          <a:lstStyle/>
+          <a:p>
+            <a:r>
+              <a:rPr lang="en-US" sz="1200" dirty="0">
+                <a:solidFill>
+                  <a:schemeClr val="bg1"/>
+                </a:solidFill>
+              </a:rPr>
+              <a:t>Lecture 04 | Intro to CSS</a:t>
+            </a:r>
+          </a:p>
+        </p:txBody>
+      </p:sp>
+      <p:sp>
+        <p:nvSpPr>
+          <p:cNvPr id="9" name="TextBox 8">
+            <a:extLst>
+              <a:ext uri="{FF2B5EF4-FFF2-40B4-BE49-F238E27FC236}">
+                <a16:creationId xmlns:a16="http://schemas.microsoft.com/office/drawing/2014/main" id="{70CE62FC-7D51-6C40-B2AE-7DDDD8CCE46F}"/>
+              </a:ext>
+            </a:extLst>
+          </p:cNvPr>
+          <p:cNvSpPr txBox="1"/>
+          <p:nvPr/>
+        </p:nvSpPr>
+        <p:spPr>
+          <a:xfrm>
+            <a:off x="340241" y="2305358"/>
+            <a:ext cx="9976267" cy="4050019"/>
+          </a:xfrm>
+          <a:prstGeom prst="rect">
+            <a:avLst/>
+          </a:prstGeom>
+          <a:noFill/>
+        </p:spPr>
+        <p:txBody>
+          <a:bodyPr wrap="square" rtlCol="0">
+            <a:spAutoFit/>
+          </a:bodyPr>
+          <a:lstStyle/>
+          <a:p>
+            <a:pPr marL="285750" indent="-285750">
+              <a:lnSpc>
+                <a:spcPct val="150000"/>
+              </a:lnSpc>
+              <a:buFont typeface="Arial" panose="020B0604020202020204" pitchFamily="34" charset="0"/>
+              <a:buChar char="•"/>
+            </a:pPr>
+            <a:r>
+              <a:rPr lang="en-US" sz="4400" strike="sngStrike" dirty="0">
+                <a:solidFill>
+                  <a:schemeClr val="bg1">
+                    <a:lumMod val="65000"/>
+                  </a:schemeClr>
+                </a:solidFill>
+              </a:rPr>
+              <a:t> CSS Introduction</a:t>
+            </a:r>
+          </a:p>
+          <a:p>
+            <a:pPr marL="285750" indent="-285750">
+              <a:lnSpc>
+                <a:spcPct val="150000"/>
+              </a:lnSpc>
+              <a:buFont typeface="Arial" panose="020B0604020202020204" pitchFamily="34" charset="0"/>
+              <a:buChar char="•"/>
+            </a:pPr>
+            <a:r>
+              <a:rPr lang="en-US" sz="4400" strike="sngStrike" dirty="0">
+                <a:solidFill>
+                  <a:schemeClr val="bg1">
+                    <a:lumMod val="65000"/>
+                  </a:schemeClr>
+                </a:solidFill>
+              </a:rPr>
+              <a:t> Margins vs Padding</a:t>
+            </a:r>
+          </a:p>
+          <a:p>
+            <a:pPr marL="285750" indent="-285750">
+              <a:lnSpc>
+                <a:spcPct val="150000"/>
+              </a:lnSpc>
+              <a:buFont typeface="Arial" panose="020B0604020202020204" pitchFamily="34" charset="0"/>
+              <a:buChar char="•"/>
+            </a:pPr>
+            <a:r>
+              <a:rPr lang="en-US" sz="4400" strike="sngStrike" dirty="0">
+                <a:solidFill>
+                  <a:schemeClr val="bg1">
+                    <a:lumMod val="65000"/>
+                  </a:schemeClr>
+                </a:solidFill>
+              </a:rPr>
+              <a:t> The Position Parameter</a:t>
+            </a:r>
+          </a:p>
+          <a:p>
+            <a:pPr marL="285750" indent="-285750">
+              <a:lnSpc>
+                <a:spcPct val="150000"/>
+              </a:lnSpc>
+              <a:buFont typeface="Arial" panose="020B0604020202020204" pitchFamily="34" charset="0"/>
+              <a:buChar char="•"/>
+            </a:pPr>
+            <a:r>
+              <a:rPr lang="en-US" sz="4400" dirty="0"/>
+              <a:t> Creating a Navigation Bar</a:t>
+            </a:r>
+          </a:p>
+        </p:txBody>
+      </p:sp>
+    </p:spTree>
+    <p:extLst>
+      <p:ext uri="{BB962C8B-B14F-4D97-AF65-F5344CB8AC3E}">
+        <p14:creationId xmlns:p14="http://schemas.microsoft.com/office/powerpoint/2010/main" val="2478682671"/>
+      </p:ext>
+    </p:extLst>
+  </p:cSld>
+  <p:clrMapOvr>
+    <a:masterClrMapping/>
+  </p:clrMapOvr>
+</p:sld>
+</file>
+
+<file path=ppt/slides/slide23.xml><?xml version="1.0" encoding="utf-8"?>
+<p:sld xmlns:a="http://schemas.openxmlformats.org/drawingml/2006/main" xmlns:r="http://schemas.openxmlformats.org/officeDocument/2006/relationships" xmlns:p="http://schemas.openxmlformats.org/presentationml/2006/main">
+  <p:cSld>
+    <p:bg>
+      <p:bgPr>
+        <a:solidFill>
+          <a:schemeClr val="bg2"/>
+        </a:solidFill>
+        <a:effectLst/>
+      </p:bgPr>
+    </p:bg>
+    <p:spTree>
+      <p:nvGrpSpPr>
+        <p:cNvPr id="1" name=""/>
+        <p:cNvGrpSpPr/>
+        <p:nvPr/>
+      </p:nvGrpSpPr>
+      <p:grpSpPr>
+        <a:xfrm>
+          <a:off x="0" y="0"/>
+          <a:ext cx="0" cy="0"/>
+          <a:chOff x="0" y="0"/>
+          <a:chExt cx="0" cy="0"/>
+        </a:xfrm>
+      </p:grpSpPr>
+      <p:sp>
+        <p:nvSpPr>
+          <p:cNvPr id="4" name="Rectangle 3">
+            <a:extLst>
+              <a:ext uri="{FF2B5EF4-FFF2-40B4-BE49-F238E27FC236}">
+                <a16:creationId xmlns:a16="http://schemas.microsoft.com/office/drawing/2014/main" id="{678F1DA2-2833-49FF-9287-44720AC6C8D2}"/>
+              </a:ext>
+            </a:extLst>
+          </p:cNvPr>
+          <p:cNvSpPr/>
+          <p:nvPr/>
+        </p:nvSpPr>
+        <p:spPr>
+          <a:xfrm>
+            <a:off x="0" y="6581001"/>
+            <a:ext cx="9976268" cy="276999"/>
+          </a:xfrm>
+          <a:prstGeom prst="rect">
+            <a:avLst/>
+          </a:prstGeom>
+          <a:solidFill>
+            <a:srgbClr val="92D050"/>
+          </a:solidFill>
+          <a:ln>
+            <a:noFill/>
+          </a:ln>
+        </p:spPr>
+        <p:style>
+          <a:lnRef idx="2">
+            <a:schemeClr val="accent1">
+              <a:shade val="50000"/>
+            </a:schemeClr>
+          </a:lnRef>
+          <a:fillRef idx="1">
+            <a:schemeClr val="accent1"/>
+          </a:fillRef>
+          <a:effectRef idx="0">
+            <a:schemeClr val="accent1"/>
+          </a:effectRef>
+          <a:fontRef idx="minor">
+            <a:schemeClr val="lt1"/>
+          </a:fontRef>
+        </p:style>
+        <p:txBody>
+          <a:bodyPr rtlCol="0" anchor="ctr"/>
+          <a:lstStyle/>
+          <a:p>
+            <a:pPr algn="ctr"/>
+            <a:endParaRPr lang="en-US" dirty="0"/>
+          </a:p>
+        </p:txBody>
+      </p:sp>
+      <p:sp>
+        <p:nvSpPr>
+          <p:cNvPr id="5" name="TextBox 4">
+            <a:extLst>
+              <a:ext uri="{FF2B5EF4-FFF2-40B4-BE49-F238E27FC236}">
+                <a16:creationId xmlns:a16="http://schemas.microsoft.com/office/drawing/2014/main" id="{9758F7A4-2143-4CCD-B8B3-8B4A1461ECF9}"/>
+              </a:ext>
+            </a:extLst>
+          </p:cNvPr>
+          <p:cNvSpPr txBox="1"/>
+          <p:nvPr/>
+        </p:nvSpPr>
+        <p:spPr>
+          <a:xfrm>
+            <a:off x="36674" y="6583215"/>
+            <a:ext cx="2682077" cy="276999"/>
+          </a:xfrm>
+          <a:prstGeom prst="rect">
+            <a:avLst/>
+          </a:prstGeom>
+          <a:noFill/>
+        </p:spPr>
+        <p:txBody>
+          <a:bodyPr wrap="square" rtlCol="0">
+            <a:spAutoFit/>
+          </a:bodyPr>
+          <a:lstStyle/>
+          <a:p>
+            <a:r>
+              <a:rPr lang="en-US" sz="1200" dirty="0">
+                <a:solidFill>
+                  <a:schemeClr val="bg1"/>
+                </a:solidFill>
+              </a:rPr>
+              <a:t>Building Personal Websites</a:t>
+            </a:r>
+          </a:p>
+        </p:txBody>
+      </p:sp>
+      <p:sp>
+        <p:nvSpPr>
+          <p:cNvPr id="6" name="Rectangle 5">
+            <a:extLst>
+              <a:ext uri="{FF2B5EF4-FFF2-40B4-BE49-F238E27FC236}">
+                <a16:creationId xmlns:a16="http://schemas.microsoft.com/office/drawing/2014/main" id="{40845236-8634-4353-BA0D-8817FE36EC7A}"/>
+              </a:ext>
+            </a:extLst>
+          </p:cNvPr>
+          <p:cNvSpPr/>
+          <p:nvPr/>
+        </p:nvSpPr>
+        <p:spPr>
+          <a:xfrm>
+            <a:off x="9921514" y="6581001"/>
+            <a:ext cx="2270485" cy="276999"/>
+          </a:xfrm>
+          <a:prstGeom prst="rect">
+            <a:avLst/>
+          </a:prstGeom>
+          <a:solidFill>
+            <a:srgbClr val="00B0F0"/>
+          </a:solidFill>
+          <a:ln>
+            <a:noFill/>
+          </a:ln>
+        </p:spPr>
+        <p:style>
+          <a:lnRef idx="2">
+            <a:schemeClr val="accent1">
+              <a:shade val="50000"/>
+            </a:schemeClr>
+          </a:lnRef>
+          <a:fillRef idx="1">
+            <a:schemeClr val="accent1"/>
+          </a:fillRef>
+          <a:effectRef idx="0">
+            <a:schemeClr val="accent1"/>
+          </a:effectRef>
+          <a:fontRef idx="minor">
+            <a:schemeClr val="lt1"/>
+          </a:fontRef>
+        </p:style>
+        <p:txBody>
+          <a:bodyPr rtlCol="0" anchor="ctr"/>
+          <a:lstStyle/>
+          <a:p>
+            <a:pPr algn="ctr"/>
+            <a:endParaRPr lang="en-US" dirty="0"/>
+          </a:p>
+        </p:txBody>
+      </p:sp>
+      <p:sp>
+        <p:nvSpPr>
+          <p:cNvPr id="8" name="TextBox 7">
+            <a:extLst>
+              <a:ext uri="{FF2B5EF4-FFF2-40B4-BE49-F238E27FC236}">
+                <a16:creationId xmlns:a16="http://schemas.microsoft.com/office/drawing/2014/main" id="{6403EA4A-E7EB-4525-B0D2-13B3997D5780}"/>
+              </a:ext>
+            </a:extLst>
+          </p:cNvPr>
+          <p:cNvSpPr txBox="1"/>
+          <p:nvPr/>
+        </p:nvSpPr>
+        <p:spPr>
+          <a:xfrm>
+            <a:off x="9958188" y="6578787"/>
+            <a:ext cx="2682077" cy="276999"/>
+          </a:xfrm>
+          <a:prstGeom prst="rect">
+            <a:avLst/>
+          </a:prstGeom>
+          <a:noFill/>
+        </p:spPr>
+        <p:txBody>
+          <a:bodyPr wrap="square" rtlCol="0">
+            <a:spAutoFit/>
+          </a:bodyPr>
+          <a:lstStyle/>
+          <a:p>
+            <a:r>
+              <a:rPr lang="en-US" sz="1200" dirty="0">
+                <a:solidFill>
+                  <a:schemeClr val="bg1"/>
+                </a:solidFill>
+              </a:rPr>
+              <a:t>Lecture 04 | Intro to CSS</a:t>
+            </a:r>
+          </a:p>
+        </p:txBody>
+      </p:sp>
+      <p:sp>
+        <p:nvSpPr>
+          <p:cNvPr id="2" name="TextBox 1">
+            <a:extLst>
+              <a:ext uri="{FF2B5EF4-FFF2-40B4-BE49-F238E27FC236}">
+                <a16:creationId xmlns:a16="http://schemas.microsoft.com/office/drawing/2014/main" id="{3E3FA19E-F278-40DB-A84D-24FEAA0626E9}"/>
+              </a:ext>
+            </a:extLst>
+          </p:cNvPr>
+          <p:cNvSpPr txBox="1"/>
+          <p:nvPr/>
+        </p:nvSpPr>
+        <p:spPr>
+          <a:xfrm>
+            <a:off x="4350525" y="427382"/>
+            <a:ext cx="3472746" cy="646331"/>
+          </a:xfrm>
+          <a:prstGeom prst="rect">
+            <a:avLst/>
+          </a:prstGeom>
+          <a:noFill/>
+        </p:spPr>
+        <p:txBody>
+          <a:bodyPr wrap="none" rtlCol="0">
+            <a:spAutoFit/>
+          </a:bodyPr>
+          <a:lstStyle/>
+          <a:p>
+            <a:r>
+              <a:rPr lang="en-US" sz="3600" dirty="0"/>
+              <a:t>Types of </a:t>
+            </a:r>
+            <a:r>
+              <a:rPr lang="en-US" sz="3600" dirty="0" err="1"/>
+              <a:t>Nav</a:t>
+            </a:r>
+            <a:r>
+              <a:rPr lang="en-US" sz="3600" dirty="0"/>
+              <a:t> Bars</a:t>
+            </a:r>
+          </a:p>
+        </p:txBody>
+      </p:sp>
+      <p:sp>
+        <p:nvSpPr>
+          <p:cNvPr id="12" name="TextBox 11">
+            <a:extLst>
+              <a:ext uri="{FF2B5EF4-FFF2-40B4-BE49-F238E27FC236}">
+                <a16:creationId xmlns:a16="http://schemas.microsoft.com/office/drawing/2014/main" id="{1F99B1C5-0C23-2A43-91DE-9C33D3A59617}"/>
+              </a:ext>
+            </a:extLst>
+          </p:cNvPr>
+          <p:cNvSpPr txBox="1"/>
+          <p:nvPr/>
+        </p:nvSpPr>
+        <p:spPr>
+          <a:xfrm>
+            <a:off x="432525" y="1386045"/>
+            <a:ext cx="8810810" cy="967957"/>
+          </a:xfrm>
+          <a:prstGeom prst="rect">
+            <a:avLst/>
+          </a:prstGeom>
+          <a:noFill/>
+        </p:spPr>
+        <p:txBody>
+          <a:bodyPr wrap="none" rtlCol="0">
+            <a:spAutoFit/>
+          </a:bodyPr>
+          <a:lstStyle/>
+          <a:p>
+            <a:pPr>
+              <a:lnSpc>
+                <a:spcPct val="150000"/>
+              </a:lnSpc>
+            </a:pPr>
+            <a:r>
+              <a:rPr lang="en-US" sz="2000" dirty="0"/>
+              <a:t>The purpose of a Navigation Bar is to provide redirection to other pages of the site.</a:t>
+            </a:r>
+          </a:p>
+          <a:p>
+            <a:pPr>
+              <a:lnSpc>
+                <a:spcPct val="150000"/>
+              </a:lnSpc>
+            </a:pPr>
+            <a:r>
+              <a:rPr lang="en-US" sz="2000" dirty="0"/>
+              <a:t>Navigation Bars are generally found at the top of a website and come in two forms:</a:t>
+            </a:r>
+          </a:p>
+        </p:txBody>
+      </p:sp>
+      <p:sp>
+        <p:nvSpPr>
+          <p:cNvPr id="16" name="TextBox 15">
+            <a:extLst>
+              <a:ext uri="{FF2B5EF4-FFF2-40B4-BE49-F238E27FC236}">
+                <a16:creationId xmlns:a16="http://schemas.microsoft.com/office/drawing/2014/main" id="{7D280410-698D-E542-A652-33EBB91A6193}"/>
+              </a:ext>
+            </a:extLst>
+          </p:cNvPr>
+          <p:cNvSpPr txBox="1"/>
+          <p:nvPr/>
+        </p:nvSpPr>
+        <p:spPr>
+          <a:xfrm>
+            <a:off x="2094735" y="2354002"/>
+            <a:ext cx="6260112" cy="967957"/>
+          </a:xfrm>
+          <a:prstGeom prst="rect">
+            <a:avLst/>
+          </a:prstGeom>
+          <a:noFill/>
+        </p:spPr>
+        <p:txBody>
+          <a:bodyPr wrap="none" rtlCol="0">
+            <a:spAutoFit/>
+          </a:bodyPr>
+          <a:lstStyle/>
+          <a:p>
+            <a:pPr>
+              <a:lnSpc>
+                <a:spcPct val="150000"/>
+              </a:lnSpc>
+            </a:pPr>
+            <a:r>
+              <a:rPr lang="en-US" sz="2000" b="1" dirty="0"/>
+              <a:t>Static:</a:t>
+            </a:r>
+            <a:r>
+              <a:rPr lang="en-US" sz="2000" dirty="0"/>
+              <a:t> </a:t>
+            </a:r>
+            <a:r>
+              <a:rPr lang="en-US" sz="2000" dirty="0" err="1"/>
+              <a:t>Nav</a:t>
+            </a:r>
+            <a:r>
+              <a:rPr lang="en-US" sz="2000" dirty="0"/>
+              <a:t> Bar stays at the top and leaves when you scroll.</a:t>
+            </a:r>
+          </a:p>
+          <a:p>
+            <a:pPr>
+              <a:lnSpc>
+                <a:spcPct val="150000"/>
+              </a:lnSpc>
+            </a:pPr>
+            <a:r>
+              <a:rPr lang="en-US" sz="2000" b="1" dirty="0"/>
+              <a:t>Sticky/Fixed:</a:t>
+            </a:r>
+            <a:r>
+              <a:rPr lang="en-US" sz="2000" dirty="0"/>
+              <a:t> </a:t>
+            </a:r>
+            <a:r>
+              <a:rPr lang="en-US" sz="2000" dirty="0" err="1"/>
+              <a:t>Nav</a:t>
+            </a:r>
+            <a:r>
+              <a:rPr lang="en-US" sz="2000" dirty="0"/>
+              <a:t> Bar follows you when you scroll. </a:t>
+            </a:r>
+          </a:p>
+        </p:txBody>
+      </p:sp>
+      <p:cxnSp>
+        <p:nvCxnSpPr>
+          <p:cNvPr id="17" name="Straight Connector 16">
+            <a:extLst>
+              <a:ext uri="{FF2B5EF4-FFF2-40B4-BE49-F238E27FC236}">
+                <a16:creationId xmlns:a16="http://schemas.microsoft.com/office/drawing/2014/main" id="{46DCFF23-E7DE-A747-879A-EAB7ECB20683}"/>
+              </a:ext>
+            </a:extLst>
+          </p:cNvPr>
+          <p:cNvCxnSpPr>
+            <a:cxnSpLocks/>
+          </p:cNvCxnSpPr>
+          <p:nvPr/>
+        </p:nvCxnSpPr>
+        <p:spPr>
+          <a:xfrm>
+            <a:off x="5883355" y="1013664"/>
+            <a:ext cx="419986" cy="0"/>
+          </a:xfrm>
+          <a:prstGeom prst="line">
+            <a:avLst/>
+          </a:prstGeom>
+          <a:ln w="28575"/>
+        </p:spPr>
+        <p:style>
+          <a:lnRef idx="1">
+            <a:schemeClr val="dk1"/>
+          </a:lnRef>
+          <a:fillRef idx="0">
+            <a:schemeClr val="dk1"/>
+          </a:fillRef>
+          <a:effectRef idx="0">
+            <a:schemeClr val="dk1"/>
+          </a:effectRef>
+          <a:fontRef idx="minor">
+            <a:schemeClr val="tx1"/>
+          </a:fontRef>
+        </p:style>
+      </p:cxnSp>
+      <p:pic>
+        <p:nvPicPr>
+          <p:cNvPr id="7" name="Picture 6">
+            <a:extLst>
+              <a:ext uri="{FF2B5EF4-FFF2-40B4-BE49-F238E27FC236}">
+                <a16:creationId xmlns:a16="http://schemas.microsoft.com/office/drawing/2014/main" id="{F014B8AF-DE48-A749-8F56-7BB9F384E646}"/>
+              </a:ext>
+            </a:extLst>
+          </p:cNvPr>
+          <p:cNvPicPr>
+            <a:picLocks noChangeAspect="1"/>
+          </p:cNvPicPr>
+          <p:nvPr/>
+        </p:nvPicPr>
+        <p:blipFill>
+          <a:blip r:embed="rId2"/>
+          <a:stretch>
+            <a:fillRect/>
+          </a:stretch>
+        </p:blipFill>
+        <p:spPr>
+          <a:xfrm>
+            <a:off x="2182846" y="3429000"/>
+            <a:ext cx="8057509" cy="2695214"/>
+          </a:xfrm>
+          <a:prstGeom prst="rect">
+            <a:avLst/>
+          </a:prstGeom>
+        </p:spPr>
+      </p:pic>
+      <p:sp>
+        <p:nvSpPr>
+          <p:cNvPr id="19" name="TextBox 18">
+            <a:extLst>
+              <a:ext uri="{FF2B5EF4-FFF2-40B4-BE49-F238E27FC236}">
+                <a16:creationId xmlns:a16="http://schemas.microsoft.com/office/drawing/2014/main" id="{D11039C2-0534-9C4F-B5BC-F0585A76C58A}"/>
+              </a:ext>
+            </a:extLst>
+          </p:cNvPr>
+          <p:cNvSpPr txBox="1"/>
+          <p:nvPr/>
+        </p:nvSpPr>
+        <p:spPr>
+          <a:xfrm>
+            <a:off x="5495707" y="6002157"/>
+            <a:ext cx="1274388" cy="423514"/>
+          </a:xfrm>
+          <a:prstGeom prst="rect">
+            <a:avLst/>
+          </a:prstGeom>
+          <a:noFill/>
+        </p:spPr>
+        <p:txBody>
+          <a:bodyPr wrap="none" rtlCol="0">
+            <a:spAutoFit/>
+          </a:bodyPr>
+          <a:lstStyle/>
+          <a:p>
+            <a:pPr>
+              <a:lnSpc>
+                <a:spcPct val="150000"/>
+              </a:lnSpc>
+            </a:pPr>
+            <a:r>
+              <a:rPr lang="en-US" sz="1600" dirty="0" err="1">
+                <a:solidFill>
+                  <a:schemeClr val="bg1">
+                    <a:lumMod val="50000"/>
+                  </a:schemeClr>
+                </a:solidFill>
+              </a:rPr>
+              <a:t>nav_bar.html</a:t>
+            </a:r>
+            <a:endParaRPr lang="en-US" sz="1600" dirty="0">
+              <a:solidFill>
+                <a:schemeClr val="bg1">
+                  <a:lumMod val="50000"/>
+                </a:schemeClr>
+              </a:solidFill>
+            </a:endParaRPr>
+          </a:p>
+        </p:txBody>
+      </p:sp>
+    </p:spTree>
+    <p:extLst>
+      <p:ext uri="{BB962C8B-B14F-4D97-AF65-F5344CB8AC3E}">
+        <p14:creationId xmlns:p14="http://schemas.microsoft.com/office/powerpoint/2010/main" val="831809386"/>
+      </p:ext>
+    </p:extLst>
+  </p:cSld>
+  <p:clrMapOvr>
+    <a:masterClrMapping/>
+  </p:clrMapOvr>
+</p:sld>
+</file>
+
+<file path=ppt/slides/slide24.xml><?xml version="1.0" encoding="utf-8"?>
+<p:sld xmlns:a="http://schemas.openxmlformats.org/drawingml/2006/main" xmlns:r="http://schemas.openxmlformats.org/officeDocument/2006/relationships" xmlns:p="http://schemas.openxmlformats.org/presentationml/2006/main">
+  <p:cSld>
+    <p:bg>
+      <p:bgPr>
+        <a:solidFill>
+          <a:schemeClr val="bg2"/>
+        </a:solidFill>
+        <a:effectLst/>
+      </p:bgPr>
+    </p:bg>
+    <p:spTree>
+      <p:nvGrpSpPr>
+        <p:cNvPr id="1" name=""/>
+        <p:cNvGrpSpPr/>
+        <p:nvPr/>
+      </p:nvGrpSpPr>
+      <p:grpSpPr>
+        <a:xfrm>
+          <a:off x="0" y="0"/>
+          <a:ext cx="0" cy="0"/>
+          <a:chOff x="0" y="0"/>
+          <a:chExt cx="0" cy="0"/>
+        </a:xfrm>
+      </p:grpSpPr>
+      <p:sp>
+        <p:nvSpPr>
+          <p:cNvPr id="4" name="Rectangle 3">
+            <a:extLst>
+              <a:ext uri="{FF2B5EF4-FFF2-40B4-BE49-F238E27FC236}">
+                <a16:creationId xmlns:a16="http://schemas.microsoft.com/office/drawing/2014/main" id="{678F1DA2-2833-49FF-9287-44720AC6C8D2}"/>
+              </a:ext>
+            </a:extLst>
+          </p:cNvPr>
+          <p:cNvSpPr/>
+          <p:nvPr/>
+        </p:nvSpPr>
+        <p:spPr>
+          <a:xfrm>
+            <a:off x="0" y="6581001"/>
+            <a:ext cx="9976268" cy="276999"/>
+          </a:xfrm>
+          <a:prstGeom prst="rect">
+            <a:avLst/>
+          </a:prstGeom>
+          <a:solidFill>
+            <a:srgbClr val="92D050"/>
+          </a:solidFill>
+          <a:ln>
+            <a:noFill/>
+          </a:ln>
+        </p:spPr>
+        <p:style>
+          <a:lnRef idx="2">
+            <a:schemeClr val="accent1">
+              <a:shade val="50000"/>
+            </a:schemeClr>
+          </a:lnRef>
+          <a:fillRef idx="1">
+            <a:schemeClr val="accent1"/>
+          </a:fillRef>
+          <a:effectRef idx="0">
+            <a:schemeClr val="accent1"/>
+          </a:effectRef>
+          <a:fontRef idx="minor">
+            <a:schemeClr val="lt1"/>
+          </a:fontRef>
+        </p:style>
+        <p:txBody>
+          <a:bodyPr rtlCol="0" anchor="ctr"/>
+          <a:lstStyle/>
+          <a:p>
+            <a:pPr algn="ctr"/>
+            <a:endParaRPr lang="en-US" dirty="0"/>
+          </a:p>
+        </p:txBody>
+      </p:sp>
+      <p:sp>
+        <p:nvSpPr>
+          <p:cNvPr id="5" name="TextBox 4">
+            <a:extLst>
+              <a:ext uri="{FF2B5EF4-FFF2-40B4-BE49-F238E27FC236}">
+                <a16:creationId xmlns:a16="http://schemas.microsoft.com/office/drawing/2014/main" id="{9758F7A4-2143-4CCD-B8B3-8B4A1461ECF9}"/>
+              </a:ext>
+            </a:extLst>
+          </p:cNvPr>
+          <p:cNvSpPr txBox="1"/>
+          <p:nvPr/>
+        </p:nvSpPr>
+        <p:spPr>
+          <a:xfrm>
+            <a:off x="36674" y="6583215"/>
+            <a:ext cx="2682077" cy="276999"/>
+          </a:xfrm>
+          <a:prstGeom prst="rect">
+            <a:avLst/>
+          </a:prstGeom>
+          <a:noFill/>
+        </p:spPr>
+        <p:txBody>
+          <a:bodyPr wrap="square" rtlCol="0">
+            <a:spAutoFit/>
+          </a:bodyPr>
+          <a:lstStyle/>
+          <a:p>
+            <a:r>
+              <a:rPr lang="en-US" sz="1200" dirty="0">
+                <a:solidFill>
+                  <a:schemeClr val="bg1"/>
+                </a:solidFill>
+              </a:rPr>
+              <a:t>Building Personal Websites</a:t>
+            </a:r>
+          </a:p>
+        </p:txBody>
+      </p:sp>
+      <p:sp>
+        <p:nvSpPr>
+          <p:cNvPr id="6" name="Rectangle 5">
+            <a:extLst>
+              <a:ext uri="{FF2B5EF4-FFF2-40B4-BE49-F238E27FC236}">
+                <a16:creationId xmlns:a16="http://schemas.microsoft.com/office/drawing/2014/main" id="{40845236-8634-4353-BA0D-8817FE36EC7A}"/>
+              </a:ext>
+            </a:extLst>
+          </p:cNvPr>
+          <p:cNvSpPr/>
+          <p:nvPr/>
+        </p:nvSpPr>
+        <p:spPr>
+          <a:xfrm>
+            <a:off x="9921514" y="6581001"/>
+            <a:ext cx="2270485" cy="276999"/>
+          </a:xfrm>
+          <a:prstGeom prst="rect">
+            <a:avLst/>
+          </a:prstGeom>
+          <a:solidFill>
+            <a:srgbClr val="00B0F0"/>
+          </a:solidFill>
+          <a:ln>
+            <a:noFill/>
+          </a:ln>
+        </p:spPr>
+        <p:style>
+          <a:lnRef idx="2">
+            <a:schemeClr val="accent1">
+              <a:shade val="50000"/>
+            </a:schemeClr>
+          </a:lnRef>
+          <a:fillRef idx="1">
+            <a:schemeClr val="accent1"/>
+          </a:fillRef>
+          <a:effectRef idx="0">
+            <a:schemeClr val="accent1"/>
+          </a:effectRef>
+          <a:fontRef idx="minor">
+            <a:schemeClr val="lt1"/>
+          </a:fontRef>
+        </p:style>
+        <p:txBody>
+          <a:bodyPr rtlCol="0" anchor="ctr"/>
+          <a:lstStyle/>
+          <a:p>
+            <a:pPr algn="ctr"/>
+            <a:endParaRPr lang="en-US" dirty="0"/>
+          </a:p>
+        </p:txBody>
+      </p:sp>
+      <p:sp>
+        <p:nvSpPr>
+          <p:cNvPr id="8" name="TextBox 7">
+            <a:extLst>
+              <a:ext uri="{FF2B5EF4-FFF2-40B4-BE49-F238E27FC236}">
+                <a16:creationId xmlns:a16="http://schemas.microsoft.com/office/drawing/2014/main" id="{6403EA4A-E7EB-4525-B0D2-13B3997D5780}"/>
+              </a:ext>
+            </a:extLst>
+          </p:cNvPr>
+          <p:cNvSpPr txBox="1"/>
+          <p:nvPr/>
+        </p:nvSpPr>
+        <p:spPr>
+          <a:xfrm>
+            <a:off x="9958188" y="6578787"/>
+            <a:ext cx="2682077" cy="276999"/>
+          </a:xfrm>
+          <a:prstGeom prst="rect">
+            <a:avLst/>
+          </a:prstGeom>
+          <a:noFill/>
+        </p:spPr>
+        <p:txBody>
+          <a:bodyPr wrap="square" rtlCol="0">
+            <a:spAutoFit/>
+          </a:bodyPr>
+          <a:lstStyle/>
+          <a:p>
+            <a:r>
+              <a:rPr lang="en-US" sz="1200" dirty="0">
+                <a:solidFill>
+                  <a:schemeClr val="bg1"/>
+                </a:solidFill>
+              </a:rPr>
+              <a:t>Lecture 04 | Intro to CSS</a:t>
+            </a:r>
+          </a:p>
+        </p:txBody>
+      </p:sp>
+      <p:sp>
+        <p:nvSpPr>
+          <p:cNvPr id="2" name="TextBox 1">
+            <a:extLst>
+              <a:ext uri="{FF2B5EF4-FFF2-40B4-BE49-F238E27FC236}">
+                <a16:creationId xmlns:a16="http://schemas.microsoft.com/office/drawing/2014/main" id="{3E3FA19E-F278-40DB-A84D-24FEAA0626E9}"/>
+              </a:ext>
+            </a:extLst>
+          </p:cNvPr>
+          <p:cNvSpPr txBox="1"/>
+          <p:nvPr/>
+        </p:nvSpPr>
+        <p:spPr>
+          <a:xfrm>
+            <a:off x="4678769" y="427382"/>
+            <a:ext cx="2778325" cy="646331"/>
+          </a:xfrm>
+          <a:prstGeom prst="rect">
+            <a:avLst/>
+          </a:prstGeom>
+          <a:noFill/>
+        </p:spPr>
+        <p:txBody>
+          <a:bodyPr wrap="none" rtlCol="0">
+            <a:spAutoFit/>
+          </a:bodyPr>
+          <a:lstStyle/>
+          <a:p>
+            <a:r>
+              <a:rPr lang="en-US" sz="3600" dirty="0"/>
+              <a:t>Static </a:t>
+            </a:r>
+            <a:r>
+              <a:rPr lang="en-US" sz="3600" dirty="0" err="1"/>
+              <a:t>Nav</a:t>
+            </a:r>
+            <a:r>
+              <a:rPr lang="en-US" sz="3600" dirty="0"/>
+              <a:t> Bar</a:t>
+            </a:r>
+          </a:p>
+        </p:txBody>
+      </p:sp>
+      <p:cxnSp>
+        <p:nvCxnSpPr>
+          <p:cNvPr id="17" name="Straight Connector 16">
+            <a:extLst>
+              <a:ext uri="{FF2B5EF4-FFF2-40B4-BE49-F238E27FC236}">
+                <a16:creationId xmlns:a16="http://schemas.microsoft.com/office/drawing/2014/main" id="{46DCFF23-E7DE-A747-879A-EAB7ECB20683}"/>
+              </a:ext>
+            </a:extLst>
+          </p:cNvPr>
+          <p:cNvCxnSpPr>
+            <a:cxnSpLocks/>
+          </p:cNvCxnSpPr>
+          <p:nvPr/>
+        </p:nvCxnSpPr>
+        <p:spPr>
+          <a:xfrm>
+            <a:off x="5883355" y="1013664"/>
+            <a:ext cx="419986" cy="0"/>
+          </a:xfrm>
+          <a:prstGeom prst="line">
+            <a:avLst/>
+          </a:prstGeom>
+          <a:ln w="28575"/>
+        </p:spPr>
+        <p:style>
+          <a:lnRef idx="1">
+            <a:schemeClr val="dk1"/>
+          </a:lnRef>
+          <a:fillRef idx="0">
+            <a:schemeClr val="dk1"/>
+          </a:fillRef>
+          <a:effectRef idx="0">
+            <a:schemeClr val="dk1"/>
+          </a:effectRef>
+          <a:fontRef idx="minor">
+            <a:schemeClr val="tx1"/>
+          </a:fontRef>
+        </p:style>
+      </p:cxnSp>
+      <p:sp>
+        <p:nvSpPr>
+          <p:cNvPr id="14" name="Rectangle 13">
+            <a:extLst>
+              <a:ext uri="{FF2B5EF4-FFF2-40B4-BE49-F238E27FC236}">
+                <a16:creationId xmlns:a16="http://schemas.microsoft.com/office/drawing/2014/main" id="{7784E059-F100-8945-8837-F468151296D1}"/>
+              </a:ext>
+            </a:extLst>
+          </p:cNvPr>
+          <p:cNvSpPr/>
+          <p:nvPr/>
+        </p:nvSpPr>
+        <p:spPr>
+          <a:xfrm>
+            <a:off x="1197647" y="1659995"/>
+            <a:ext cx="9859109" cy="4410762"/>
+          </a:xfrm>
+          <a:prstGeom prst="rect">
+            <a:avLst/>
+          </a:prstGeom>
+          <a:solidFill>
+            <a:schemeClr val="bg1">
+              <a:lumMod val="95000"/>
+            </a:schemeClr>
+          </a:solidFill>
+          <a:ln w="3175">
+            <a:solidFill>
+              <a:schemeClr val="bg1">
+                <a:lumMod val="85000"/>
+              </a:schemeClr>
+            </a:solidFill>
+          </a:ln>
+        </p:spPr>
+        <p:style>
+          <a:lnRef idx="2">
+            <a:schemeClr val="accent1">
+              <a:shade val="50000"/>
+            </a:schemeClr>
+          </a:lnRef>
+          <a:fillRef idx="1">
+            <a:schemeClr val="accent1"/>
+          </a:fillRef>
+          <a:effectRef idx="0">
+            <a:schemeClr val="accent1"/>
+          </a:effectRef>
+          <a:fontRef idx="minor">
+            <a:schemeClr val="lt1"/>
+          </a:fontRef>
+        </p:style>
+        <p:txBody>
+          <a:bodyPr rtlCol="0" anchor="ctr"/>
+          <a:lstStyle/>
+          <a:p>
+            <a:pPr lvl="1"/>
+            <a:r>
+              <a:rPr lang="en-US" dirty="0">
+                <a:solidFill>
+                  <a:schemeClr val="accent2"/>
+                </a:solidFill>
+              </a:rPr>
+              <a:t>.</a:t>
+            </a:r>
+            <a:r>
+              <a:rPr lang="en-US" dirty="0" err="1">
+                <a:solidFill>
+                  <a:schemeClr val="accent2"/>
+                </a:solidFill>
+              </a:rPr>
+              <a:t>nav</a:t>
+            </a:r>
+            <a:r>
+              <a:rPr lang="en-US" dirty="0">
+                <a:solidFill>
+                  <a:schemeClr val="accent2"/>
+                </a:solidFill>
+              </a:rPr>
+              <a:t>-bar </a:t>
+            </a:r>
+            <a:r>
+              <a:rPr lang="en-US" dirty="0">
+                <a:solidFill>
+                  <a:schemeClr val="tx1"/>
+                </a:solidFill>
+              </a:rPr>
+              <a:t>{</a:t>
+            </a:r>
+          </a:p>
+          <a:p>
+            <a:r>
+              <a:rPr lang="en-US" dirty="0">
+                <a:solidFill>
+                  <a:schemeClr val="tx1"/>
+                </a:solidFill>
+              </a:rPr>
+              <a:t>	</a:t>
+            </a:r>
+            <a:r>
+              <a:rPr lang="en-US" dirty="0">
+                <a:solidFill>
+                  <a:schemeClr val="accent1"/>
+                </a:solidFill>
+              </a:rPr>
+              <a:t>width: 100%;</a:t>
+            </a:r>
+          </a:p>
+          <a:p>
+            <a:r>
+              <a:rPr lang="en-US" dirty="0">
+                <a:solidFill>
+                  <a:schemeClr val="accent1"/>
+                </a:solidFill>
+              </a:rPr>
+              <a:t>	height: 50px;</a:t>
+            </a:r>
+          </a:p>
+          <a:p>
+            <a:r>
+              <a:rPr lang="en-US" dirty="0">
+                <a:solidFill>
+                  <a:schemeClr val="accent1"/>
+                </a:solidFill>
+              </a:rPr>
+              <a:t>	margin: 0;</a:t>
+            </a:r>
+          </a:p>
+          <a:p>
+            <a:r>
+              <a:rPr lang="en-US" dirty="0">
+                <a:solidFill>
+                  <a:schemeClr val="accent1"/>
+                </a:solidFill>
+              </a:rPr>
+              <a:t>	background: black;</a:t>
+            </a:r>
+            <a:r>
+              <a:rPr lang="en-US" dirty="0">
+                <a:solidFill>
+                  <a:schemeClr val="tx1"/>
+                </a:solidFill>
+              </a:rPr>
+              <a:t> }</a:t>
+            </a:r>
+          </a:p>
+          <a:p>
+            <a:pPr lvl="1"/>
+            <a:endParaRPr lang="en-US" dirty="0">
+              <a:solidFill>
+                <a:schemeClr val="tx1"/>
+              </a:solidFill>
+            </a:endParaRPr>
+          </a:p>
+          <a:p>
+            <a:pPr lvl="1"/>
+            <a:r>
+              <a:rPr lang="en-US" dirty="0">
+                <a:solidFill>
+                  <a:schemeClr val="accent2"/>
+                </a:solidFill>
+              </a:rPr>
+              <a:t>.</a:t>
+            </a:r>
+            <a:r>
+              <a:rPr lang="en-US" dirty="0" err="1">
+                <a:solidFill>
+                  <a:schemeClr val="accent2"/>
+                </a:solidFill>
+              </a:rPr>
+              <a:t>nav</a:t>
+            </a:r>
+            <a:r>
+              <a:rPr lang="en-US" dirty="0">
+                <a:solidFill>
+                  <a:schemeClr val="accent2"/>
+                </a:solidFill>
+              </a:rPr>
+              <a:t>-bar &gt; .element</a:t>
+            </a:r>
+            <a:r>
+              <a:rPr lang="en-US" dirty="0">
+                <a:solidFill>
+                  <a:schemeClr val="tx1"/>
+                </a:solidFill>
+              </a:rPr>
+              <a:t> {</a:t>
+            </a:r>
+          </a:p>
+          <a:p>
+            <a:pPr lvl="1"/>
+            <a:r>
+              <a:rPr lang="en-US" dirty="0">
+                <a:solidFill>
+                  <a:schemeClr val="tx1"/>
+                </a:solidFill>
+              </a:rPr>
+              <a:t>	</a:t>
+            </a:r>
+            <a:r>
+              <a:rPr lang="en-US" dirty="0">
+                <a:solidFill>
+                  <a:schemeClr val="accent1"/>
+                </a:solidFill>
+              </a:rPr>
+              <a:t>width: 19.5%;</a:t>
+            </a:r>
+          </a:p>
+          <a:p>
+            <a:pPr lvl="1"/>
+            <a:r>
+              <a:rPr lang="en-US" dirty="0">
+                <a:solidFill>
+                  <a:schemeClr val="accent1"/>
+                </a:solidFill>
+              </a:rPr>
+              <a:t>	line-height: 50px;</a:t>
+            </a:r>
+          </a:p>
+          <a:p>
+            <a:pPr lvl="1"/>
+            <a:r>
+              <a:rPr lang="en-US" dirty="0">
+                <a:solidFill>
+                  <a:schemeClr val="accent1"/>
+                </a:solidFill>
+              </a:rPr>
+              <a:t>	text-align: center;</a:t>
+            </a:r>
+          </a:p>
+          <a:p>
+            <a:pPr lvl="1"/>
+            <a:r>
+              <a:rPr lang="en-US" dirty="0">
+                <a:solidFill>
+                  <a:schemeClr val="accent1"/>
+                </a:solidFill>
+              </a:rPr>
+              <a:t>	color: white;</a:t>
+            </a:r>
+          </a:p>
+          <a:p>
+            <a:pPr lvl="1"/>
+            <a:r>
+              <a:rPr lang="en-US" dirty="0">
+                <a:solidFill>
+                  <a:schemeClr val="accent1"/>
+                </a:solidFill>
+              </a:rPr>
+              <a:t>	display: inline-block;</a:t>
+            </a:r>
+          </a:p>
+          <a:p>
+            <a:pPr lvl="1"/>
+            <a:r>
+              <a:rPr lang="en-US" dirty="0">
+                <a:solidFill>
+                  <a:schemeClr val="accent1"/>
+                </a:solidFill>
+              </a:rPr>
+              <a:t>	margin: 0;</a:t>
+            </a:r>
+          </a:p>
+          <a:p>
+            <a:pPr lvl="1"/>
+            <a:r>
+              <a:rPr lang="en-US" dirty="0">
+                <a:solidFill>
+                  <a:schemeClr val="accent1"/>
+                </a:solidFill>
+              </a:rPr>
+              <a:t>	font-family: Arial;</a:t>
+            </a:r>
+          </a:p>
+          <a:p>
+            <a:pPr lvl="1"/>
+            <a:r>
+              <a:rPr lang="en-US" dirty="0">
+                <a:solidFill>
+                  <a:schemeClr val="accent1"/>
+                </a:solidFill>
+              </a:rPr>
+              <a:t>	text-decoration: none;</a:t>
+            </a:r>
+            <a:r>
+              <a:rPr lang="en-US" dirty="0">
+                <a:solidFill>
+                  <a:schemeClr val="tx1"/>
+                </a:solidFill>
+              </a:rPr>
+              <a:t> }</a:t>
+            </a:r>
+          </a:p>
+        </p:txBody>
+      </p:sp>
+      <p:sp>
+        <p:nvSpPr>
+          <p:cNvPr id="15" name="TextBox 14">
+            <a:extLst>
+              <a:ext uri="{FF2B5EF4-FFF2-40B4-BE49-F238E27FC236}">
+                <a16:creationId xmlns:a16="http://schemas.microsoft.com/office/drawing/2014/main" id="{B7B93F07-259B-6D42-94A8-1177678E343A}"/>
+              </a:ext>
+            </a:extLst>
+          </p:cNvPr>
+          <p:cNvSpPr txBox="1"/>
+          <p:nvPr/>
+        </p:nvSpPr>
+        <p:spPr>
+          <a:xfrm>
+            <a:off x="1135244" y="1272483"/>
+            <a:ext cx="2760371" cy="400110"/>
+          </a:xfrm>
+          <a:prstGeom prst="rect">
+            <a:avLst/>
+          </a:prstGeom>
+          <a:noFill/>
+        </p:spPr>
+        <p:txBody>
+          <a:bodyPr wrap="none" rtlCol="0">
+            <a:spAutoFit/>
+          </a:bodyPr>
+          <a:lstStyle/>
+          <a:p>
+            <a:r>
+              <a:rPr lang="en-US" sz="2000" dirty="0"/>
+              <a:t>Creates a </a:t>
+            </a:r>
+            <a:r>
+              <a:rPr lang="en-US" sz="2000" b="1" dirty="0"/>
+              <a:t>static</a:t>
+            </a:r>
+            <a:r>
+              <a:rPr lang="en-US" sz="2000" dirty="0"/>
+              <a:t> </a:t>
+            </a:r>
+            <a:r>
+              <a:rPr lang="en-US" sz="2000" dirty="0" err="1"/>
+              <a:t>Nav</a:t>
+            </a:r>
+            <a:r>
+              <a:rPr lang="en-US" sz="2000" dirty="0"/>
+              <a:t> Bar: </a:t>
+            </a:r>
+          </a:p>
+        </p:txBody>
+      </p:sp>
+      <p:sp>
+        <p:nvSpPr>
+          <p:cNvPr id="10" name="TextBox 9">
+            <a:extLst>
+              <a:ext uri="{FF2B5EF4-FFF2-40B4-BE49-F238E27FC236}">
+                <a16:creationId xmlns:a16="http://schemas.microsoft.com/office/drawing/2014/main" id="{F9F59BD2-C647-554E-811F-27DB5C5E75BA}"/>
+              </a:ext>
+            </a:extLst>
+          </p:cNvPr>
+          <p:cNvSpPr txBox="1"/>
+          <p:nvPr/>
+        </p:nvSpPr>
+        <p:spPr>
+          <a:xfrm>
+            <a:off x="5279919" y="3157301"/>
+            <a:ext cx="4354350" cy="646331"/>
+          </a:xfrm>
+          <a:prstGeom prst="rect">
+            <a:avLst/>
+          </a:prstGeom>
+          <a:noFill/>
+        </p:spPr>
+        <p:txBody>
+          <a:bodyPr wrap="square" rtlCol="0">
+            <a:spAutoFit/>
+          </a:bodyPr>
+          <a:lstStyle/>
+          <a:p>
+            <a:pPr marL="285750" indent="-285750">
+              <a:buFont typeface="Arial" panose="020B0604020202020204" pitchFamily="34" charset="0"/>
+              <a:buChar char="•"/>
+            </a:pPr>
+            <a:r>
+              <a:rPr lang="en-US" dirty="0"/>
+              <a:t>100%x50px Black </a:t>
+            </a:r>
+            <a:r>
+              <a:rPr lang="en-US" dirty="0" err="1"/>
+              <a:t>Nav</a:t>
+            </a:r>
+            <a:r>
+              <a:rPr lang="en-US" dirty="0"/>
+              <a:t> Bar</a:t>
+            </a:r>
+          </a:p>
+          <a:p>
+            <a:pPr marL="285750" indent="-285750">
+              <a:buFont typeface="Arial" panose="020B0604020202020204" pitchFamily="34" charset="0"/>
+              <a:buChar char="•"/>
+            </a:pPr>
+            <a:r>
+              <a:rPr lang="en-US" dirty="0"/>
+              <a:t>Space For 5 White Text Links</a:t>
+            </a:r>
+          </a:p>
+        </p:txBody>
+      </p:sp>
+      <p:sp>
+        <p:nvSpPr>
+          <p:cNvPr id="11" name="TextBox 10">
+            <a:extLst>
+              <a:ext uri="{FF2B5EF4-FFF2-40B4-BE49-F238E27FC236}">
+                <a16:creationId xmlns:a16="http://schemas.microsoft.com/office/drawing/2014/main" id="{672F0FDF-28E9-BD4D-900C-F3CA4A31BEB1}"/>
+              </a:ext>
+            </a:extLst>
+          </p:cNvPr>
+          <p:cNvSpPr txBox="1"/>
+          <p:nvPr/>
+        </p:nvSpPr>
+        <p:spPr>
+          <a:xfrm>
+            <a:off x="5567164" y="3947721"/>
+            <a:ext cx="4354350" cy="369332"/>
+          </a:xfrm>
+          <a:prstGeom prst="rect">
+            <a:avLst/>
+          </a:prstGeom>
+          <a:noFill/>
+        </p:spPr>
+        <p:txBody>
+          <a:bodyPr wrap="square" rtlCol="0">
+            <a:spAutoFit/>
+          </a:bodyPr>
+          <a:lstStyle/>
+          <a:p>
+            <a:r>
+              <a:rPr lang="en-US" dirty="0"/>
+              <a:t>How to increase number of Links?</a:t>
+            </a:r>
+          </a:p>
+        </p:txBody>
+      </p:sp>
+    </p:spTree>
+    <p:extLst>
+      <p:ext uri="{BB962C8B-B14F-4D97-AF65-F5344CB8AC3E}">
+        <p14:creationId xmlns:p14="http://schemas.microsoft.com/office/powerpoint/2010/main" val="3438045675"/>
+      </p:ext>
+    </p:extLst>
+  </p:cSld>
+  <p:clrMapOvr>
+    <a:masterClrMapping/>
+  </p:clrMapOvr>
+  <p:timing>
+    <p:tnLst>
+      <p:par>
+        <p:cTn id="1" dur="indefinite" restart="never" nodeType="tmRoot">
+          <p:childTnLst>
+            <p:seq concurrent="1" nextAc="seek">
+              <p:cTn id="2" dur="indefinite" nodeType="mainSeq">
+                <p:childTnLst>
+                  <p:par>
+                    <p:cTn id="3" fill="hold">
+                      <p:stCondLst>
+                        <p:cond delay="indefinite"/>
+                      </p:stCondLst>
+                      <p:childTnLst>
+                        <p:par>
+                          <p:cTn id="4" fill="hold">
+                            <p:stCondLst>
+                              <p:cond delay="0"/>
+                            </p:stCondLst>
+                            <p:childTnLst>
+                              <p:par>
+                                <p:cTn id="5" presetID="1" presetClass="entr" presetSubtype="0" fill="hold" grpId="0" nodeType="clickEffect">
+                                  <p:stCondLst>
+                                    <p:cond delay="0"/>
+                                  </p:stCondLst>
+                                  <p:childTnLst>
+                                    <p:set>
+                                      <p:cBhvr>
+                                        <p:cTn id="6" dur="1" fill="hold">
+                                          <p:stCondLst>
+                                            <p:cond delay="0"/>
+                                          </p:stCondLst>
+                                        </p:cTn>
+                                        <p:tgtEl>
+                                          <p:spTgt spid="10"/>
+                                        </p:tgtEl>
+                                        <p:attrNameLst>
+                                          <p:attrName>style.visibility</p:attrName>
+                                        </p:attrNameLst>
+                                      </p:cBhvr>
+                                      <p:to>
+                                        <p:strVal val="visible"/>
+                                      </p:to>
+                                    </p:set>
+                                  </p:childTnLst>
+                                </p:cTn>
+                              </p:par>
+                            </p:childTnLst>
+                          </p:cTn>
+                        </p:par>
+                      </p:childTnLst>
+                    </p:cTn>
+                  </p:par>
+                  <p:par>
+                    <p:cTn id="7" fill="hold">
+                      <p:stCondLst>
+                        <p:cond delay="indefinite"/>
+                      </p:stCondLst>
+                      <p:childTnLst>
+                        <p:par>
+                          <p:cTn id="8" fill="hold">
+                            <p:stCondLst>
+                              <p:cond delay="0"/>
+                            </p:stCondLst>
+                            <p:childTnLst>
+                              <p:par>
+                                <p:cTn id="9" presetID="1" presetClass="entr" presetSubtype="0" fill="hold" grpId="0" nodeType="clickEffect">
+                                  <p:stCondLst>
+                                    <p:cond delay="0"/>
+                                  </p:stCondLst>
+                                  <p:childTnLst>
+                                    <p:set>
+                                      <p:cBhvr>
+                                        <p:cTn id="10" dur="1" fill="hold">
+                                          <p:stCondLst>
+                                            <p:cond delay="0"/>
+                                          </p:stCondLst>
+                                        </p:cTn>
+                                        <p:tgtEl>
+                                          <p:spTgt spid="11"/>
+                                        </p:tgtEl>
+                                        <p:attrNameLst>
+                                          <p:attrName>style.visibility</p:attrName>
+                                        </p:attrNameLst>
+                                      </p:cBhvr>
+                                      <p:to>
+                                        <p:strVal val="visible"/>
+                                      </p:to>
+                                    </p:set>
+                                  </p:childTnLst>
+                                </p:cTn>
+                              </p:par>
+                            </p:childTnLst>
+                          </p:cTn>
+                        </p:par>
+                      </p:childTnLst>
+                    </p:cTn>
+                  </p:par>
+                </p:childTnLst>
+              </p:cTn>
+              <p:prevCondLst>
+                <p:cond evt="onPrev" delay="0">
+                  <p:tgtEl>
+                    <p:sldTgt/>
+                  </p:tgtEl>
+                </p:cond>
+              </p:prevCondLst>
+              <p:nextCondLst>
+                <p:cond evt="onNext" delay="0">
+                  <p:tgtEl>
+                    <p:sldTgt/>
+                  </p:tgtEl>
+                </p:cond>
+              </p:nextCondLst>
+            </p:seq>
+          </p:childTnLst>
+        </p:cTn>
+      </p:par>
+    </p:tnLst>
+    <p:bldLst>
+      <p:bldP spid="10" grpId="0"/>
+      <p:bldP spid="11" grpId="0"/>
+    </p:bldLst>
+  </p:timing>
+</p:sld>
+</file>
+
+<file path=ppt/slides/slide25.xml><?xml version="1.0" encoding="utf-8"?>
+<p:sld xmlns:a="http://schemas.openxmlformats.org/drawingml/2006/main" xmlns:r="http://schemas.openxmlformats.org/officeDocument/2006/relationships" xmlns:p="http://schemas.openxmlformats.org/presentationml/2006/main">
+  <p:cSld>
+    <p:bg>
+      <p:bgPr>
+        <a:solidFill>
+          <a:schemeClr val="bg2"/>
+        </a:solidFill>
+        <a:effectLst/>
+      </p:bgPr>
+    </p:bg>
+    <p:spTree>
+      <p:nvGrpSpPr>
+        <p:cNvPr id="1" name=""/>
+        <p:cNvGrpSpPr/>
+        <p:nvPr/>
+      </p:nvGrpSpPr>
+      <p:grpSpPr>
+        <a:xfrm>
+          <a:off x="0" y="0"/>
+          <a:ext cx="0" cy="0"/>
+          <a:chOff x="0" y="0"/>
+          <a:chExt cx="0" cy="0"/>
+        </a:xfrm>
+      </p:grpSpPr>
+      <p:sp>
+        <p:nvSpPr>
+          <p:cNvPr id="4" name="Rectangle 3">
+            <a:extLst>
+              <a:ext uri="{FF2B5EF4-FFF2-40B4-BE49-F238E27FC236}">
+                <a16:creationId xmlns:a16="http://schemas.microsoft.com/office/drawing/2014/main" id="{678F1DA2-2833-49FF-9287-44720AC6C8D2}"/>
+              </a:ext>
+            </a:extLst>
+          </p:cNvPr>
+          <p:cNvSpPr/>
+          <p:nvPr/>
+        </p:nvSpPr>
+        <p:spPr>
+          <a:xfrm>
+            <a:off x="0" y="6581001"/>
+            <a:ext cx="9976268" cy="276999"/>
+          </a:xfrm>
+          <a:prstGeom prst="rect">
+            <a:avLst/>
+          </a:prstGeom>
+          <a:solidFill>
+            <a:srgbClr val="92D050"/>
+          </a:solidFill>
+          <a:ln>
+            <a:noFill/>
+          </a:ln>
+        </p:spPr>
+        <p:style>
+          <a:lnRef idx="2">
+            <a:schemeClr val="accent1">
+              <a:shade val="50000"/>
+            </a:schemeClr>
+          </a:lnRef>
+          <a:fillRef idx="1">
+            <a:schemeClr val="accent1"/>
+          </a:fillRef>
+          <a:effectRef idx="0">
+            <a:schemeClr val="accent1"/>
+          </a:effectRef>
+          <a:fontRef idx="minor">
+            <a:schemeClr val="lt1"/>
+          </a:fontRef>
+        </p:style>
+        <p:txBody>
+          <a:bodyPr rtlCol="0" anchor="ctr"/>
+          <a:lstStyle/>
+          <a:p>
+            <a:pPr algn="ctr"/>
+            <a:endParaRPr lang="en-US" dirty="0"/>
+          </a:p>
+        </p:txBody>
+      </p:sp>
+      <p:sp>
+        <p:nvSpPr>
+          <p:cNvPr id="5" name="TextBox 4">
+            <a:extLst>
+              <a:ext uri="{FF2B5EF4-FFF2-40B4-BE49-F238E27FC236}">
+                <a16:creationId xmlns:a16="http://schemas.microsoft.com/office/drawing/2014/main" id="{9758F7A4-2143-4CCD-B8B3-8B4A1461ECF9}"/>
+              </a:ext>
+            </a:extLst>
+          </p:cNvPr>
+          <p:cNvSpPr txBox="1"/>
+          <p:nvPr/>
+        </p:nvSpPr>
+        <p:spPr>
+          <a:xfrm>
+            <a:off x="36674" y="6583215"/>
+            <a:ext cx="2682077" cy="276999"/>
+          </a:xfrm>
+          <a:prstGeom prst="rect">
+            <a:avLst/>
+          </a:prstGeom>
+          <a:noFill/>
+        </p:spPr>
+        <p:txBody>
+          <a:bodyPr wrap="square" rtlCol="0">
+            <a:spAutoFit/>
+          </a:bodyPr>
+          <a:lstStyle/>
+          <a:p>
+            <a:r>
+              <a:rPr lang="en-US" sz="1200" dirty="0">
+                <a:solidFill>
+                  <a:schemeClr val="bg1"/>
+                </a:solidFill>
+              </a:rPr>
+              <a:t>Building Personal Websites</a:t>
+            </a:r>
+          </a:p>
+        </p:txBody>
+      </p:sp>
+      <p:sp>
+        <p:nvSpPr>
+          <p:cNvPr id="6" name="Rectangle 5">
+            <a:extLst>
+              <a:ext uri="{FF2B5EF4-FFF2-40B4-BE49-F238E27FC236}">
+                <a16:creationId xmlns:a16="http://schemas.microsoft.com/office/drawing/2014/main" id="{40845236-8634-4353-BA0D-8817FE36EC7A}"/>
+              </a:ext>
+            </a:extLst>
+          </p:cNvPr>
+          <p:cNvSpPr/>
+          <p:nvPr/>
+        </p:nvSpPr>
+        <p:spPr>
+          <a:xfrm>
+            <a:off x="9921514" y="6581001"/>
+            <a:ext cx="2270485" cy="276999"/>
+          </a:xfrm>
+          <a:prstGeom prst="rect">
+            <a:avLst/>
+          </a:prstGeom>
+          <a:solidFill>
+            <a:srgbClr val="00B0F0"/>
+          </a:solidFill>
+          <a:ln>
+            <a:noFill/>
+          </a:ln>
+        </p:spPr>
+        <p:style>
+          <a:lnRef idx="2">
+            <a:schemeClr val="accent1">
+              <a:shade val="50000"/>
+            </a:schemeClr>
+          </a:lnRef>
+          <a:fillRef idx="1">
+            <a:schemeClr val="accent1"/>
+          </a:fillRef>
+          <a:effectRef idx="0">
+            <a:schemeClr val="accent1"/>
+          </a:effectRef>
+          <a:fontRef idx="minor">
+            <a:schemeClr val="lt1"/>
+          </a:fontRef>
+        </p:style>
+        <p:txBody>
+          <a:bodyPr rtlCol="0" anchor="ctr"/>
+          <a:lstStyle/>
+          <a:p>
+            <a:pPr algn="ctr"/>
+            <a:endParaRPr lang="en-US" dirty="0"/>
+          </a:p>
+        </p:txBody>
+      </p:sp>
+      <p:sp>
+        <p:nvSpPr>
+          <p:cNvPr id="8" name="TextBox 7">
+            <a:extLst>
+              <a:ext uri="{FF2B5EF4-FFF2-40B4-BE49-F238E27FC236}">
+                <a16:creationId xmlns:a16="http://schemas.microsoft.com/office/drawing/2014/main" id="{6403EA4A-E7EB-4525-B0D2-13B3997D5780}"/>
+              </a:ext>
+            </a:extLst>
+          </p:cNvPr>
+          <p:cNvSpPr txBox="1"/>
+          <p:nvPr/>
+        </p:nvSpPr>
+        <p:spPr>
+          <a:xfrm>
+            <a:off x="9958188" y="6578787"/>
+            <a:ext cx="2682077" cy="276999"/>
+          </a:xfrm>
+          <a:prstGeom prst="rect">
+            <a:avLst/>
+          </a:prstGeom>
+          <a:noFill/>
+        </p:spPr>
+        <p:txBody>
+          <a:bodyPr wrap="square" rtlCol="0">
+            <a:spAutoFit/>
+          </a:bodyPr>
+          <a:lstStyle/>
+          <a:p>
+            <a:r>
+              <a:rPr lang="en-US" sz="1200" dirty="0">
+                <a:solidFill>
+                  <a:schemeClr val="bg1"/>
+                </a:solidFill>
+              </a:rPr>
+              <a:t>Lecture 04 | Intro to CSS</a:t>
+            </a:r>
+          </a:p>
+        </p:txBody>
+      </p:sp>
+      <p:sp>
+        <p:nvSpPr>
+          <p:cNvPr id="2" name="TextBox 1">
+            <a:extLst>
+              <a:ext uri="{FF2B5EF4-FFF2-40B4-BE49-F238E27FC236}">
+                <a16:creationId xmlns:a16="http://schemas.microsoft.com/office/drawing/2014/main" id="{3E3FA19E-F278-40DB-A84D-24FEAA0626E9}"/>
+              </a:ext>
+            </a:extLst>
+          </p:cNvPr>
+          <p:cNvSpPr txBox="1"/>
+          <p:nvPr/>
+        </p:nvSpPr>
+        <p:spPr>
+          <a:xfrm>
+            <a:off x="4678769" y="427382"/>
+            <a:ext cx="2831544" cy="646331"/>
+          </a:xfrm>
+          <a:prstGeom prst="rect">
+            <a:avLst/>
+          </a:prstGeom>
+          <a:noFill/>
+        </p:spPr>
+        <p:txBody>
+          <a:bodyPr wrap="none" rtlCol="0">
+            <a:spAutoFit/>
+          </a:bodyPr>
+          <a:lstStyle/>
+          <a:p>
+            <a:r>
+              <a:rPr lang="en-US" sz="3600" dirty="0"/>
+              <a:t>Sticky </a:t>
+            </a:r>
+            <a:r>
+              <a:rPr lang="en-US" sz="3600" dirty="0" err="1"/>
+              <a:t>Nav</a:t>
+            </a:r>
+            <a:r>
+              <a:rPr lang="en-US" sz="3600" dirty="0"/>
+              <a:t> Bar</a:t>
+            </a:r>
+          </a:p>
+        </p:txBody>
+      </p:sp>
+      <p:cxnSp>
+        <p:nvCxnSpPr>
+          <p:cNvPr id="17" name="Straight Connector 16">
+            <a:extLst>
+              <a:ext uri="{FF2B5EF4-FFF2-40B4-BE49-F238E27FC236}">
+                <a16:creationId xmlns:a16="http://schemas.microsoft.com/office/drawing/2014/main" id="{46DCFF23-E7DE-A747-879A-EAB7ECB20683}"/>
+              </a:ext>
+            </a:extLst>
+          </p:cNvPr>
+          <p:cNvCxnSpPr>
+            <a:cxnSpLocks/>
+          </p:cNvCxnSpPr>
+          <p:nvPr/>
+        </p:nvCxnSpPr>
+        <p:spPr>
+          <a:xfrm>
+            <a:off x="5883355" y="1013664"/>
+            <a:ext cx="419986" cy="0"/>
+          </a:xfrm>
+          <a:prstGeom prst="line">
+            <a:avLst/>
+          </a:prstGeom>
+          <a:ln w="28575"/>
+        </p:spPr>
+        <p:style>
+          <a:lnRef idx="1">
+            <a:schemeClr val="dk1"/>
+          </a:lnRef>
+          <a:fillRef idx="0">
+            <a:schemeClr val="dk1"/>
+          </a:fillRef>
+          <a:effectRef idx="0">
+            <a:schemeClr val="dk1"/>
+          </a:effectRef>
+          <a:fontRef idx="minor">
+            <a:schemeClr val="tx1"/>
+          </a:fontRef>
+        </p:style>
+      </p:cxnSp>
+      <p:sp>
+        <p:nvSpPr>
+          <p:cNvPr id="14" name="Rectangle 13">
+            <a:extLst>
+              <a:ext uri="{FF2B5EF4-FFF2-40B4-BE49-F238E27FC236}">
+                <a16:creationId xmlns:a16="http://schemas.microsoft.com/office/drawing/2014/main" id="{7784E059-F100-8945-8837-F468151296D1}"/>
+              </a:ext>
+            </a:extLst>
+          </p:cNvPr>
+          <p:cNvSpPr/>
+          <p:nvPr/>
+        </p:nvSpPr>
+        <p:spPr>
+          <a:xfrm>
+            <a:off x="1197647" y="1659994"/>
+            <a:ext cx="9859109" cy="4770623"/>
+          </a:xfrm>
+          <a:prstGeom prst="rect">
+            <a:avLst/>
+          </a:prstGeom>
+          <a:solidFill>
+            <a:schemeClr val="bg1">
+              <a:lumMod val="95000"/>
+            </a:schemeClr>
+          </a:solidFill>
+          <a:ln w="3175">
+            <a:solidFill>
+              <a:schemeClr val="bg1">
+                <a:lumMod val="85000"/>
+              </a:schemeClr>
+            </a:solidFill>
+          </a:ln>
+        </p:spPr>
+        <p:style>
+          <a:lnRef idx="2">
+            <a:schemeClr val="accent1">
+              <a:shade val="50000"/>
+            </a:schemeClr>
+          </a:lnRef>
+          <a:fillRef idx="1">
+            <a:schemeClr val="accent1"/>
+          </a:fillRef>
+          <a:effectRef idx="0">
+            <a:schemeClr val="accent1"/>
+          </a:effectRef>
+          <a:fontRef idx="minor">
+            <a:schemeClr val="lt1"/>
+          </a:fontRef>
+        </p:style>
+        <p:txBody>
+          <a:bodyPr rtlCol="0" anchor="ctr"/>
+          <a:lstStyle/>
+          <a:p>
+            <a:pPr lvl="1"/>
+            <a:r>
+              <a:rPr lang="en-US" dirty="0">
+                <a:solidFill>
+                  <a:schemeClr val="accent2"/>
+                </a:solidFill>
+              </a:rPr>
+              <a:t>.</a:t>
+            </a:r>
+            <a:r>
+              <a:rPr lang="en-US" dirty="0" err="1">
+                <a:solidFill>
+                  <a:schemeClr val="accent2"/>
+                </a:solidFill>
+              </a:rPr>
+              <a:t>nav</a:t>
+            </a:r>
+            <a:r>
+              <a:rPr lang="en-US" dirty="0">
+                <a:solidFill>
+                  <a:schemeClr val="accent2"/>
+                </a:solidFill>
+              </a:rPr>
+              <a:t>-bar </a:t>
+            </a:r>
+            <a:r>
+              <a:rPr lang="en-US" dirty="0">
+                <a:solidFill>
+                  <a:schemeClr val="tx1"/>
+                </a:solidFill>
+              </a:rPr>
+              <a:t>{</a:t>
+            </a:r>
+          </a:p>
+          <a:p>
+            <a:r>
+              <a:rPr lang="en-US" dirty="0">
+                <a:solidFill>
+                  <a:schemeClr val="tx1"/>
+                </a:solidFill>
+              </a:rPr>
+              <a:t>	</a:t>
+            </a:r>
+            <a:r>
+              <a:rPr lang="en-US" dirty="0">
+                <a:solidFill>
+                  <a:schemeClr val="accent1"/>
+                </a:solidFill>
+              </a:rPr>
+              <a:t>width: 100%;</a:t>
+            </a:r>
+          </a:p>
+          <a:p>
+            <a:r>
+              <a:rPr lang="en-US" dirty="0">
+                <a:solidFill>
+                  <a:schemeClr val="accent1"/>
+                </a:solidFill>
+              </a:rPr>
+              <a:t>	height: 50px;</a:t>
+            </a:r>
+          </a:p>
+          <a:p>
+            <a:r>
+              <a:rPr lang="en-US" dirty="0">
+                <a:solidFill>
+                  <a:schemeClr val="accent1"/>
+                </a:solidFill>
+              </a:rPr>
+              <a:t>	margin: 0;</a:t>
+            </a:r>
+          </a:p>
+          <a:p>
+            <a:r>
+              <a:rPr lang="en-US" dirty="0">
+                <a:solidFill>
+                  <a:schemeClr val="accent1"/>
+                </a:solidFill>
+              </a:rPr>
+              <a:t>	background: black;</a:t>
+            </a:r>
+          </a:p>
+          <a:p>
+            <a:r>
+              <a:rPr lang="en-US" dirty="0">
+                <a:solidFill>
+                  <a:schemeClr val="accent1"/>
+                </a:solidFill>
+              </a:rPr>
+              <a:t>	</a:t>
+            </a:r>
+            <a:r>
+              <a:rPr lang="en-US" dirty="0">
+                <a:solidFill>
+                  <a:schemeClr val="accent1"/>
+                </a:solidFill>
+                <a:highlight>
+                  <a:srgbClr val="FFFF00"/>
+                </a:highlight>
+              </a:rPr>
+              <a:t>position: sticky;</a:t>
+            </a:r>
+          </a:p>
+          <a:p>
+            <a:r>
+              <a:rPr lang="en-US" dirty="0">
+                <a:solidFill>
+                  <a:schemeClr val="accent1"/>
+                </a:solidFill>
+              </a:rPr>
+              <a:t>	</a:t>
+            </a:r>
+            <a:r>
+              <a:rPr lang="en-US" dirty="0">
+                <a:solidFill>
+                  <a:schemeClr val="accent1"/>
+                </a:solidFill>
+                <a:highlight>
+                  <a:srgbClr val="FFFF00"/>
+                </a:highlight>
+              </a:rPr>
+              <a:t>top: 0;</a:t>
+            </a:r>
+            <a:r>
+              <a:rPr lang="en-US" dirty="0">
+                <a:solidFill>
+                  <a:schemeClr val="tx1"/>
+                </a:solidFill>
+              </a:rPr>
+              <a:t> }</a:t>
+            </a:r>
+          </a:p>
+          <a:p>
+            <a:pPr lvl="1"/>
+            <a:endParaRPr lang="en-US" dirty="0">
+              <a:solidFill>
+                <a:schemeClr val="tx1"/>
+              </a:solidFill>
+            </a:endParaRPr>
+          </a:p>
+          <a:p>
+            <a:pPr lvl="1"/>
+            <a:r>
+              <a:rPr lang="en-US" dirty="0">
+                <a:solidFill>
+                  <a:schemeClr val="accent2"/>
+                </a:solidFill>
+              </a:rPr>
+              <a:t>.</a:t>
+            </a:r>
+            <a:r>
+              <a:rPr lang="en-US" dirty="0" err="1">
+                <a:solidFill>
+                  <a:schemeClr val="accent2"/>
+                </a:solidFill>
+              </a:rPr>
+              <a:t>nav</a:t>
+            </a:r>
+            <a:r>
+              <a:rPr lang="en-US" dirty="0">
+                <a:solidFill>
+                  <a:schemeClr val="accent2"/>
+                </a:solidFill>
+              </a:rPr>
+              <a:t>-bar &gt; .element</a:t>
+            </a:r>
+            <a:r>
+              <a:rPr lang="en-US" dirty="0">
+                <a:solidFill>
+                  <a:schemeClr val="tx1"/>
+                </a:solidFill>
+              </a:rPr>
+              <a:t> {</a:t>
+            </a:r>
+          </a:p>
+          <a:p>
+            <a:pPr lvl="1"/>
+            <a:r>
+              <a:rPr lang="en-US" dirty="0">
+                <a:solidFill>
+                  <a:schemeClr val="tx1"/>
+                </a:solidFill>
+              </a:rPr>
+              <a:t>	</a:t>
+            </a:r>
+            <a:r>
+              <a:rPr lang="en-US" dirty="0">
+                <a:solidFill>
+                  <a:schemeClr val="accent1"/>
+                </a:solidFill>
+              </a:rPr>
+              <a:t>width: 19.5%;</a:t>
+            </a:r>
+          </a:p>
+          <a:p>
+            <a:pPr lvl="1"/>
+            <a:r>
+              <a:rPr lang="en-US" dirty="0">
+                <a:solidFill>
+                  <a:schemeClr val="accent1"/>
+                </a:solidFill>
+              </a:rPr>
+              <a:t>	line-height: 50px;</a:t>
+            </a:r>
+          </a:p>
+          <a:p>
+            <a:pPr lvl="1"/>
+            <a:r>
+              <a:rPr lang="en-US" dirty="0">
+                <a:solidFill>
+                  <a:schemeClr val="accent1"/>
+                </a:solidFill>
+              </a:rPr>
+              <a:t>	text-align: center;</a:t>
+            </a:r>
+          </a:p>
+          <a:p>
+            <a:pPr lvl="1"/>
+            <a:r>
+              <a:rPr lang="en-US" dirty="0">
+                <a:solidFill>
+                  <a:schemeClr val="accent1"/>
+                </a:solidFill>
+              </a:rPr>
+              <a:t>	color: white;</a:t>
+            </a:r>
+          </a:p>
+          <a:p>
+            <a:pPr lvl="1"/>
+            <a:r>
+              <a:rPr lang="en-US" dirty="0">
+                <a:solidFill>
+                  <a:schemeClr val="accent1"/>
+                </a:solidFill>
+              </a:rPr>
+              <a:t>	display: inline-block;</a:t>
+            </a:r>
+          </a:p>
+          <a:p>
+            <a:pPr lvl="1"/>
+            <a:r>
+              <a:rPr lang="en-US" dirty="0">
+                <a:solidFill>
+                  <a:schemeClr val="accent1"/>
+                </a:solidFill>
+              </a:rPr>
+              <a:t>	margin: 0;</a:t>
+            </a:r>
+          </a:p>
+          <a:p>
+            <a:pPr lvl="1"/>
+            <a:r>
+              <a:rPr lang="en-US" dirty="0">
+                <a:solidFill>
+                  <a:schemeClr val="accent1"/>
+                </a:solidFill>
+              </a:rPr>
+              <a:t>	font-family: Arial;</a:t>
+            </a:r>
+          </a:p>
+          <a:p>
+            <a:pPr lvl="1"/>
+            <a:r>
+              <a:rPr lang="en-US" dirty="0">
+                <a:solidFill>
+                  <a:schemeClr val="accent1"/>
+                </a:solidFill>
+              </a:rPr>
+              <a:t>	text-decoration: none;</a:t>
+            </a:r>
+            <a:r>
+              <a:rPr lang="en-US" dirty="0">
+                <a:solidFill>
+                  <a:schemeClr val="tx1"/>
+                </a:solidFill>
+              </a:rPr>
+              <a:t> }</a:t>
+            </a:r>
+          </a:p>
+        </p:txBody>
+      </p:sp>
+      <p:sp>
+        <p:nvSpPr>
+          <p:cNvPr id="15" name="TextBox 14">
+            <a:extLst>
+              <a:ext uri="{FF2B5EF4-FFF2-40B4-BE49-F238E27FC236}">
+                <a16:creationId xmlns:a16="http://schemas.microsoft.com/office/drawing/2014/main" id="{B7B93F07-259B-6D42-94A8-1177678E343A}"/>
+              </a:ext>
+            </a:extLst>
+          </p:cNvPr>
+          <p:cNvSpPr txBox="1"/>
+          <p:nvPr/>
+        </p:nvSpPr>
+        <p:spPr>
+          <a:xfrm>
+            <a:off x="1135244" y="1272483"/>
+            <a:ext cx="2828082" cy="400110"/>
+          </a:xfrm>
+          <a:prstGeom prst="rect">
+            <a:avLst/>
+          </a:prstGeom>
+          <a:noFill/>
+        </p:spPr>
+        <p:txBody>
+          <a:bodyPr wrap="none" rtlCol="0">
+            <a:spAutoFit/>
+          </a:bodyPr>
+          <a:lstStyle/>
+          <a:p>
+            <a:r>
+              <a:rPr lang="en-US" sz="2000" dirty="0"/>
+              <a:t>Creates a </a:t>
+            </a:r>
+            <a:r>
+              <a:rPr lang="en-US" sz="2000" b="1" dirty="0"/>
+              <a:t>Sticky</a:t>
+            </a:r>
+            <a:r>
+              <a:rPr lang="en-US" sz="2000" dirty="0"/>
+              <a:t> </a:t>
+            </a:r>
+            <a:r>
+              <a:rPr lang="en-US" sz="2000" dirty="0" err="1"/>
+              <a:t>Nav</a:t>
+            </a:r>
+            <a:r>
+              <a:rPr lang="en-US" sz="2000" dirty="0"/>
+              <a:t> Bar: </a:t>
+            </a:r>
+          </a:p>
+        </p:txBody>
+      </p:sp>
+      <p:sp>
+        <p:nvSpPr>
+          <p:cNvPr id="10" name="TextBox 9">
+            <a:extLst>
+              <a:ext uri="{FF2B5EF4-FFF2-40B4-BE49-F238E27FC236}">
+                <a16:creationId xmlns:a16="http://schemas.microsoft.com/office/drawing/2014/main" id="{EF43FC73-7C9D-5A47-B8C9-004ED34811B2}"/>
+              </a:ext>
+            </a:extLst>
+          </p:cNvPr>
+          <p:cNvSpPr txBox="1"/>
+          <p:nvPr/>
+        </p:nvSpPr>
+        <p:spPr>
+          <a:xfrm>
+            <a:off x="7952780" y="6011959"/>
+            <a:ext cx="3770296" cy="369332"/>
+          </a:xfrm>
+          <a:prstGeom prst="rect">
+            <a:avLst/>
+          </a:prstGeom>
+          <a:noFill/>
+        </p:spPr>
+        <p:txBody>
+          <a:bodyPr wrap="square" rtlCol="0">
+            <a:spAutoFit/>
+          </a:bodyPr>
+          <a:lstStyle/>
+          <a:p>
+            <a:r>
+              <a:rPr lang="en-US" dirty="0"/>
+              <a:t>Code provided in </a:t>
+            </a:r>
+            <a:r>
+              <a:rPr lang="en-US" dirty="0" err="1"/>
+              <a:t>nav_bar.html</a:t>
+            </a:r>
+            <a:endParaRPr lang="en-US" dirty="0"/>
+          </a:p>
+        </p:txBody>
+      </p:sp>
+    </p:spTree>
+    <p:extLst>
+      <p:ext uri="{BB962C8B-B14F-4D97-AF65-F5344CB8AC3E}">
+        <p14:creationId xmlns:p14="http://schemas.microsoft.com/office/powerpoint/2010/main" val="673780340"/>
+      </p:ext>
+    </p:extLst>
+  </p:cSld>
+  <p:clrMapOvr>
+    <a:masterClrMapping/>
+  </p:clrMapOvr>
+  <p:timing>
+    <p:tnLst>
+      <p:par>
+        <p:cTn id="1" dur="indefinite" restart="never" nodeType="tmRoot">
+          <p:childTnLst>
+            <p:seq concurrent="1" nextAc="seek">
+              <p:cTn id="2" dur="indefinite" nodeType="mainSeq">
+                <p:childTnLst>
+                  <p:par>
+                    <p:cTn id="3" fill="hold">
+                      <p:stCondLst>
+                        <p:cond delay="indefinite"/>
+                      </p:stCondLst>
+                      <p:childTnLst>
+                        <p:par>
+                          <p:cTn id="4" fill="hold">
+                            <p:stCondLst>
+                              <p:cond delay="0"/>
+                            </p:stCondLst>
+                            <p:childTnLst>
+                              <p:par>
+                                <p:cTn id="5" presetID="1" presetClass="entr" presetSubtype="0" fill="hold" grpId="0" nodeType="clickEffect">
+                                  <p:stCondLst>
+                                    <p:cond delay="0"/>
+                                  </p:stCondLst>
+                                  <p:childTnLst>
+                                    <p:set>
+                                      <p:cBhvr>
+                                        <p:cTn id="6" dur="1" fill="hold">
+                                          <p:stCondLst>
+                                            <p:cond delay="0"/>
+                                          </p:stCondLst>
+                                        </p:cTn>
+                                        <p:tgtEl>
+                                          <p:spTgt spid="10"/>
+                                        </p:tgtEl>
+                                        <p:attrNameLst>
+                                          <p:attrName>style.visibility</p:attrName>
+                                        </p:attrNameLst>
+                                      </p:cBhvr>
+                                      <p:to>
+                                        <p:strVal val="visible"/>
+                                      </p:to>
+                                    </p:set>
+                                  </p:childTnLst>
+                                </p:cTn>
+                              </p:par>
+                            </p:childTnLst>
+                          </p:cTn>
+                        </p:par>
+                      </p:childTnLst>
+                    </p:cTn>
+                  </p:par>
+                </p:childTnLst>
+              </p:cTn>
+              <p:prevCondLst>
+                <p:cond evt="onPrev" delay="0">
+                  <p:tgtEl>
+                    <p:sldTgt/>
+                  </p:tgtEl>
+                </p:cond>
+              </p:prevCondLst>
+              <p:nextCondLst>
+                <p:cond evt="onNext" delay="0">
+                  <p:tgtEl>
+                    <p:sldTgt/>
+                  </p:tgtEl>
+                </p:cond>
+              </p:nextCondLst>
+            </p:seq>
+          </p:childTnLst>
+        </p:cTn>
+      </p:par>
+    </p:tnLst>
+    <p:bldLst>
+      <p:bldP spid="10" grpId="0"/>
+    </p:bldLst>
+  </p:timing>
+</p:sld>
+</file>
+
+<file path=ppt/slides/slide26.xml><?xml version="1.0" encoding="utf-8"?>
 <p:sld xmlns:a="http://schemas.openxmlformats.org/drawingml/2006/main" xmlns:r="http://schemas.openxmlformats.org/officeDocument/2006/relationships" xmlns:p="http://schemas.openxmlformats.org/presentationml/2006/main">
   <p:cSld>
     <p:bg>

--- a/assets/lectures/BPW_Lecture_04.pptx
+++ b/assets/lectures/BPW_Lecture_04.pptx
@@ -30,7 +30,8 @@
     <p:sldId id="318" r:id="rId24"/>
     <p:sldId id="321" r:id="rId25"/>
     <p:sldId id="320" r:id="rId26"/>
-    <p:sldId id="302" r:id="rId27"/>
+    <p:sldId id="322" r:id="rId27"/>
+    <p:sldId id="302" r:id="rId28"/>
   </p:sldIdLst>
   <p:sldSz cx="12192000" cy="6858000"/>
   <p:notesSz cx="6858000" cy="9144000"/>
@@ -296,7 +297,7 @@
           <a:p>
             <a:fld id="{F57857CC-207A-4D73-9A20-C856A5068D10}" type="datetimeFigureOut">
               <a:rPr lang="en-US" smtClean="0"/>
-              <a:t>1/1/19</a:t>
+              <a:t>1/2/19</a:t>
             </a:fld>
             <a:endParaRPr lang="en-US"/>
           </a:p>
@@ -494,7 +495,7 @@
           <a:p>
             <a:fld id="{F57857CC-207A-4D73-9A20-C856A5068D10}" type="datetimeFigureOut">
               <a:rPr lang="en-US" smtClean="0"/>
-              <a:t>1/1/19</a:t>
+              <a:t>1/2/19</a:t>
             </a:fld>
             <a:endParaRPr lang="en-US"/>
           </a:p>
@@ -702,7 +703,7 @@
           <a:p>
             <a:fld id="{F57857CC-207A-4D73-9A20-C856A5068D10}" type="datetimeFigureOut">
               <a:rPr lang="en-US" smtClean="0"/>
-              <a:t>1/1/19</a:t>
+              <a:t>1/2/19</a:t>
             </a:fld>
             <a:endParaRPr lang="en-US"/>
           </a:p>
@@ -900,7 +901,7 @@
           <a:p>
             <a:fld id="{F57857CC-207A-4D73-9A20-C856A5068D10}" type="datetimeFigureOut">
               <a:rPr lang="en-US" smtClean="0"/>
-              <a:t>1/1/19</a:t>
+              <a:t>1/2/19</a:t>
             </a:fld>
             <a:endParaRPr lang="en-US"/>
           </a:p>
@@ -1175,7 +1176,7 @@
           <a:p>
             <a:fld id="{F57857CC-207A-4D73-9A20-C856A5068D10}" type="datetimeFigureOut">
               <a:rPr lang="en-US" smtClean="0"/>
-              <a:t>1/1/19</a:t>
+              <a:t>1/2/19</a:t>
             </a:fld>
             <a:endParaRPr lang="en-US"/>
           </a:p>
@@ -1440,7 +1441,7 @@
           <a:p>
             <a:fld id="{F57857CC-207A-4D73-9A20-C856A5068D10}" type="datetimeFigureOut">
               <a:rPr lang="en-US" smtClean="0"/>
-              <a:t>1/1/19</a:t>
+              <a:t>1/2/19</a:t>
             </a:fld>
             <a:endParaRPr lang="en-US"/>
           </a:p>
@@ -1852,7 +1853,7 @@
           <a:p>
             <a:fld id="{F57857CC-207A-4D73-9A20-C856A5068D10}" type="datetimeFigureOut">
               <a:rPr lang="en-US" smtClean="0"/>
-              <a:t>1/1/19</a:t>
+              <a:t>1/2/19</a:t>
             </a:fld>
             <a:endParaRPr lang="en-US"/>
           </a:p>
@@ -1993,7 +1994,7 @@
           <a:p>
             <a:fld id="{F57857CC-207A-4D73-9A20-C856A5068D10}" type="datetimeFigureOut">
               <a:rPr lang="en-US" smtClean="0"/>
-              <a:t>1/1/19</a:t>
+              <a:t>1/2/19</a:t>
             </a:fld>
             <a:endParaRPr lang="en-US"/>
           </a:p>
@@ -2106,7 +2107,7 @@
           <a:p>
             <a:fld id="{F57857CC-207A-4D73-9A20-C856A5068D10}" type="datetimeFigureOut">
               <a:rPr lang="en-US" smtClean="0"/>
-              <a:t>1/1/19</a:t>
+              <a:t>1/2/19</a:t>
             </a:fld>
             <a:endParaRPr lang="en-US"/>
           </a:p>
@@ -2417,7 +2418,7 @@
           <a:p>
             <a:fld id="{F57857CC-207A-4D73-9A20-C856A5068D10}" type="datetimeFigureOut">
               <a:rPr lang="en-US" smtClean="0"/>
-              <a:t>1/1/19</a:t>
+              <a:t>1/2/19</a:t>
             </a:fld>
             <a:endParaRPr lang="en-US"/>
           </a:p>
@@ -2705,7 +2706,7 @@
           <a:p>
             <a:fld id="{F57857CC-207A-4D73-9A20-C856A5068D10}" type="datetimeFigureOut">
               <a:rPr lang="en-US" smtClean="0"/>
-              <a:t>1/1/19</a:t>
+              <a:t>1/2/19</a:t>
             </a:fld>
             <a:endParaRPr lang="en-US"/>
           </a:p>
@@ -2946,7 +2947,7 @@
           <a:p>
             <a:fld id="{F57857CC-207A-4D73-9A20-C856A5068D10}" type="datetimeFigureOut">
               <a:rPr lang="en-US" smtClean="0"/>
-              <a:t>1/1/19</a:t>
+              <a:t>1/2/19</a:t>
             </a:fld>
             <a:endParaRPr lang="en-US"/>
           </a:p>
@@ -3844,7 +3845,7 @@
                   </a:schemeClr>
                 </a:solidFill>
               </a:rPr>
-              <a:t> CSS Introduction</a:t>
+              <a:t> Introduction to the CSS Workflow</a:t>
             </a:r>
           </a:p>
           <a:p>
@@ -7907,7 +7908,7 @@
                   </a:schemeClr>
                 </a:solidFill>
               </a:rPr>
-              <a:t> CSS Introduction</a:t>
+              <a:t> Introduction to the CSS Workflow</a:t>
             </a:r>
           </a:p>
           <a:p>
@@ -10623,7 +10624,7 @@
             </a:pPr>
             <a:r>
               <a:rPr lang="en-US" sz="4400" dirty="0"/>
-              <a:t> CSS Introduction</a:t>
+              <a:t> Introduction to the CSS Workflow</a:t>
             </a:r>
           </a:p>
           <a:p>
@@ -12409,7 +12410,7 @@
                   </a:schemeClr>
                 </a:solidFill>
               </a:rPr>
-              <a:t> CSS Introduction</a:t>
+              <a:t> Introduction to the CSS Workflow</a:t>
             </a:r>
           </a:p>
           <a:p>
@@ -14656,6 +14657,390 @@
 </file>
 
 <file path=ppt/slides/slide26.xml><?xml version="1.0" encoding="utf-8"?>
+<p:sld xmlns:a="http://schemas.openxmlformats.org/drawingml/2006/main" xmlns:r="http://schemas.openxmlformats.org/officeDocument/2006/relationships" xmlns:p="http://schemas.openxmlformats.org/presentationml/2006/main">
+  <p:cSld>
+    <p:bg>
+      <p:bgPr>
+        <a:solidFill>
+          <a:schemeClr val="bg2"/>
+        </a:solidFill>
+        <a:effectLst/>
+      </p:bgPr>
+    </p:bg>
+    <p:spTree>
+      <p:nvGrpSpPr>
+        <p:cNvPr id="1" name=""/>
+        <p:cNvGrpSpPr/>
+        <p:nvPr/>
+      </p:nvGrpSpPr>
+      <p:grpSpPr>
+        <a:xfrm>
+          <a:off x="0" y="0"/>
+          <a:ext cx="0" cy="0"/>
+          <a:chOff x="0" y="0"/>
+          <a:chExt cx="0" cy="0"/>
+        </a:xfrm>
+      </p:grpSpPr>
+      <p:sp>
+        <p:nvSpPr>
+          <p:cNvPr id="4" name="Rectangle 3">
+            <a:extLst>
+              <a:ext uri="{FF2B5EF4-FFF2-40B4-BE49-F238E27FC236}">
+                <a16:creationId xmlns:a16="http://schemas.microsoft.com/office/drawing/2014/main" id="{678F1DA2-2833-49FF-9287-44720AC6C8D2}"/>
+              </a:ext>
+            </a:extLst>
+          </p:cNvPr>
+          <p:cNvSpPr/>
+          <p:nvPr/>
+        </p:nvSpPr>
+        <p:spPr>
+          <a:xfrm>
+            <a:off x="0" y="6581001"/>
+            <a:ext cx="9976268" cy="276999"/>
+          </a:xfrm>
+          <a:prstGeom prst="rect">
+            <a:avLst/>
+          </a:prstGeom>
+          <a:solidFill>
+            <a:srgbClr val="92D050"/>
+          </a:solidFill>
+          <a:ln>
+            <a:noFill/>
+          </a:ln>
+        </p:spPr>
+        <p:style>
+          <a:lnRef idx="2">
+            <a:schemeClr val="accent1">
+              <a:shade val="50000"/>
+            </a:schemeClr>
+          </a:lnRef>
+          <a:fillRef idx="1">
+            <a:schemeClr val="accent1"/>
+          </a:fillRef>
+          <a:effectRef idx="0">
+            <a:schemeClr val="accent1"/>
+          </a:effectRef>
+          <a:fontRef idx="minor">
+            <a:schemeClr val="lt1"/>
+          </a:fontRef>
+        </p:style>
+        <p:txBody>
+          <a:bodyPr rtlCol="0" anchor="ctr"/>
+          <a:lstStyle/>
+          <a:p>
+            <a:pPr algn="ctr"/>
+            <a:endParaRPr lang="en-US" dirty="0"/>
+          </a:p>
+        </p:txBody>
+      </p:sp>
+      <p:sp>
+        <p:nvSpPr>
+          <p:cNvPr id="5" name="TextBox 4">
+            <a:extLst>
+              <a:ext uri="{FF2B5EF4-FFF2-40B4-BE49-F238E27FC236}">
+                <a16:creationId xmlns:a16="http://schemas.microsoft.com/office/drawing/2014/main" id="{9758F7A4-2143-4CCD-B8B3-8B4A1461ECF9}"/>
+              </a:ext>
+            </a:extLst>
+          </p:cNvPr>
+          <p:cNvSpPr txBox="1"/>
+          <p:nvPr/>
+        </p:nvSpPr>
+        <p:spPr>
+          <a:xfrm>
+            <a:off x="36674" y="6583215"/>
+            <a:ext cx="2682077" cy="276999"/>
+          </a:xfrm>
+          <a:prstGeom prst="rect">
+            <a:avLst/>
+          </a:prstGeom>
+          <a:noFill/>
+        </p:spPr>
+        <p:txBody>
+          <a:bodyPr wrap="square" rtlCol="0">
+            <a:spAutoFit/>
+          </a:bodyPr>
+          <a:lstStyle/>
+          <a:p>
+            <a:r>
+              <a:rPr lang="en-US" sz="1200" dirty="0">
+                <a:solidFill>
+                  <a:schemeClr val="bg1"/>
+                </a:solidFill>
+              </a:rPr>
+              <a:t>Building Personal Websites</a:t>
+            </a:r>
+          </a:p>
+        </p:txBody>
+      </p:sp>
+      <p:sp>
+        <p:nvSpPr>
+          <p:cNvPr id="6" name="Rectangle 5">
+            <a:extLst>
+              <a:ext uri="{FF2B5EF4-FFF2-40B4-BE49-F238E27FC236}">
+                <a16:creationId xmlns:a16="http://schemas.microsoft.com/office/drawing/2014/main" id="{40845236-8634-4353-BA0D-8817FE36EC7A}"/>
+              </a:ext>
+            </a:extLst>
+          </p:cNvPr>
+          <p:cNvSpPr/>
+          <p:nvPr/>
+        </p:nvSpPr>
+        <p:spPr>
+          <a:xfrm>
+            <a:off x="9921514" y="6581001"/>
+            <a:ext cx="2270485" cy="276999"/>
+          </a:xfrm>
+          <a:prstGeom prst="rect">
+            <a:avLst/>
+          </a:prstGeom>
+          <a:solidFill>
+            <a:srgbClr val="00B0F0"/>
+          </a:solidFill>
+          <a:ln>
+            <a:noFill/>
+          </a:ln>
+        </p:spPr>
+        <p:style>
+          <a:lnRef idx="2">
+            <a:schemeClr val="accent1">
+              <a:shade val="50000"/>
+            </a:schemeClr>
+          </a:lnRef>
+          <a:fillRef idx="1">
+            <a:schemeClr val="accent1"/>
+          </a:fillRef>
+          <a:effectRef idx="0">
+            <a:schemeClr val="accent1"/>
+          </a:effectRef>
+          <a:fontRef idx="minor">
+            <a:schemeClr val="lt1"/>
+          </a:fontRef>
+        </p:style>
+        <p:txBody>
+          <a:bodyPr rtlCol="0" anchor="ctr"/>
+          <a:lstStyle/>
+          <a:p>
+            <a:pPr algn="ctr"/>
+            <a:endParaRPr lang="en-US" dirty="0"/>
+          </a:p>
+        </p:txBody>
+      </p:sp>
+      <p:sp>
+        <p:nvSpPr>
+          <p:cNvPr id="8" name="TextBox 7">
+            <a:extLst>
+              <a:ext uri="{FF2B5EF4-FFF2-40B4-BE49-F238E27FC236}">
+                <a16:creationId xmlns:a16="http://schemas.microsoft.com/office/drawing/2014/main" id="{6403EA4A-E7EB-4525-B0D2-13B3997D5780}"/>
+              </a:ext>
+            </a:extLst>
+          </p:cNvPr>
+          <p:cNvSpPr txBox="1"/>
+          <p:nvPr/>
+        </p:nvSpPr>
+        <p:spPr>
+          <a:xfrm>
+            <a:off x="9958188" y="6578787"/>
+            <a:ext cx="2682077" cy="276999"/>
+          </a:xfrm>
+          <a:prstGeom prst="rect">
+            <a:avLst/>
+          </a:prstGeom>
+          <a:noFill/>
+        </p:spPr>
+        <p:txBody>
+          <a:bodyPr wrap="square" rtlCol="0">
+            <a:spAutoFit/>
+          </a:bodyPr>
+          <a:lstStyle/>
+          <a:p>
+            <a:r>
+              <a:rPr lang="en-US" sz="1200" dirty="0">
+                <a:solidFill>
+                  <a:schemeClr val="bg1"/>
+                </a:solidFill>
+              </a:rPr>
+              <a:t>Lecture 04 | Intro to CSS</a:t>
+            </a:r>
+          </a:p>
+        </p:txBody>
+      </p:sp>
+      <p:sp>
+        <p:nvSpPr>
+          <p:cNvPr id="11" name="TextBox 10">
+            <a:extLst>
+              <a:ext uri="{FF2B5EF4-FFF2-40B4-BE49-F238E27FC236}">
+                <a16:creationId xmlns:a16="http://schemas.microsoft.com/office/drawing/2014/main" id="{08612FD2-E8C7-9640-B455-7F97D80E86C4}"/>
+              </a:ext>
+            </a:extLst>
+          </p:cNvPr>
+          <p:cNvSpPr txBox="1"/>
+          <p:nvPr/>
+        </p:nvSpPr>
+        <p:spPr>
+          <a:xfrm>
+            <a:off x="536954" y="1318963"/>
+            <a:ext cx="10579395" cy="1891287"/>
+          </a:xfrm>
+          <a:prstGeom prst="rect">
+            <a:avLst/>
+          </a:prstGeom>
+          <a:noFill/>
+        </p:spPr>
+        <p:txBody>
+          <a:bodyPr wrap="square" rtlCol="0">
+            <a:spAutoFit/>
+          </a:bodyPr>
+          <a:lstStyle/>
+          <a:p>
+            <a:pPr marL="342900" indent="-342900">
+              <a:lnSpc>
+                <a:spcPct val="150000"/>
+              </a:lnSpc>
+              <a:buFont typeface="Wingdings" pitchFamily="2" charset="2"/>
+              <a:buChar char="q"/>
+            </a:pPr>
+            <a:r>
+              <a:rPr lang="en-US" sz="2000" dirty="0"/>
+              <a:t>Use position, margin, and padding parameters to organize content.</a:t>
+            </a:r>
+          </a:p>
+          <a:p>
+            <a:pPr marL="342900" indent="-342900">
+              <a:lnSpc>
+                <a:spcPct val="150000"/>
+              </a:lnSpc>
+              <a:buFont typeface="Wingdings" pitchFamily="2" charset="2"/>
+              <a:buChar char="q"/>
+            </a:pPr>
+            <a:r>
+              <a:rPr lang="en-US" sz="2000" dirty="0"/>
+              <a:t>Create a </a:t>
+            </a:r>
+            <a:r>
+              <a:rPr lang="en-US" sz="2000" dirty="0" err="1"/>
+              <a:t>Nav</a:t>
+            </a:r>
+            <a:r>
+              <a:rPr lang="en-US" sz="2000" dirty="0"/>
+              <a:t> Bar at the top of the page (sticky or </a:t>
+            </a:r>
+            <a:r>
+              <a:rPr lang="en-US" sz="2000"/>
+              <a:t>static).</a:t>
+            </a:r>
+          </a:p>
+          <a:p>
+            <a:pPr marL="342900" indent="-342900">
+              <a:lnSpc>
+                <a:spcPct val="150000"/>
+              </a:lnSpc>
+              <a:buFont typeface="Wingdings" pitchFamily="2" charset="2"/>
+              <a:buChar char="q"/>
+            </a:pPr>
+            <a:endParaRPr lang="en-US" sz="2000" dirty="0"/>
+          </a:p>
+          <a:p>
+            <a:pPr>
+              <a:lnSpc>
+                <a:spcPct val="150000"/>
+              </a:lnSpc>
+            </a:pPr>
+            <a:endParaRPr lang="en-US" sz="2000" dirty="0"/>
+          </a:p>
+        </p:txBody>
+      </p:sp>
+      <p:sp>
+        <p:nvSpPr>
+          <p:cNvPr id="12" name="TextBox 11">
+            <a:extLst>
+              <a:ext uri="{FF2B5EF4-FFF2-40B4-BE49-F238E27FC236}">
+                <a16:creationId xmlns:a16="http://schemas.microsoft.com/office/drawing/2014/main" id="{90197382-2036-A04C-B165-C13A19BAE4A4}"/>
+              </a:ext>
+            </a:extLst>
+          </p:cNvPr>
+          <p:cNvSpPr txBox="1"/>
+          <p:nvPr/>
+        </p:nvSpPr>
+        <p:spPr>
+          <a:xfrm>
+            <a:off x="3703675" y="9526"/>
+            <a:ext cx="4784649" cy="1003031"/>
+          </a:xfrm>
+          <a:prstGeom prst="rect">
+            <a:avLst/>
+          </a:prstGeom>
+          <a:noFill/>
+        </p:spPr>
+        <p:txBody>
+          <a:bodyPr wrap="square" rtlCol="0">
+            <a:spAutoFit/>
+          </a:bodyPr>
+          <a:lstStyle/>
+          <a:p>
+            <a:pPr algn="ctr">
+              <a:lnSpc>
+                <a:spcPct val="150000"/>
+              </a:lnSpc>
+            </a:pPr>
+            <a:r>
+              <a:rPr lang="en-US" sz="4400" dirty="0"/>
+              <a:t>Homework Ideas</a:t>
+            </a:r>
+          </a:p>
+        </p:txBody>
+      </p:sp>
+      <p:cxnSp>
+        <p:nvCxnSpPr>
+          <p:cNvPr id="13" name="Straight Connector 12">
+            <a:extLst>
+              <a:ext uri="{FF2B5EF4-FFF2-40B4-BE49-F238E27FC236}">
+                <a16:creationId xmlns:a16="http://schemas.microsoft.com/office/drawing/2014/main" id="{78EEE1E8-3A93-DE47-8029-EF2FA51405E1}"/>
+              </a:ext>
+            </a:extLst>
+          </p:cNvPr>
+          <p:cNvCxnSpPr>
+            <a:cxnSpLocks/>
+          </p:cNvCxnSpPr>
+          <p:nvPr/>
+        </p:nvCxnSpPr>
+        <p:spPr>
+          <a:xfrm>
+            <a:off x="5955606" y="1013664"/>
+            <a:ext cx="419986" cy="0"/>
+          </a:xfrm>
+          <a:prstGeom prst="line">
+            <a:avLst/>
+          </a:prstGeom>
+          <a:ln w="28575"/>
+        </p:spPr>
+        <p:style>
+          <a:lnRef idx="1">
+            <a:schemeClr val="dk1"/>
+          </a:lnRef>
+          <a:fillRef idx="0">
+            <a:schemeClr val="dk1"/>
+          </a:fillRef>
+          <a:effectRef idx="0">
+            <a:schemeClr val="dk1"/>
+          </a:effectRef>
+          <a:fontRef idx="minor">
+            <a:schemeClr val="tx1"/>
+          </a:fontRef>
+        </p:style>
+      </p:cxnSp>
+    </p:spTree>
+    <p:extLst>
+      <p:ext uri="{BB962C8B-B14F-4D97-AF65-F5344CB8AC3E}">
+        <p14:creationId xmlns:p14="http://schemas.microsoft.com/office/powerpoint/2010/main" val="6502447"/>
+      </p:ext>
+    </p:extLst>
+  </p:cSld>
+  <p:clrMapOvr>
+    <a:masterClrMapping/>
+  </p:clrMapOvr>
+</p:sld>
+</file>
+
+<file path=ppt/slides/slide27.xml><?xml version="1.0" encoding="utf-8"?>
 <p:sld xmlns:a="http://schemas.openxmlformats.org/drawingml/2006/main" xmlns:r="http://schemas.openxmlformats.org/officeDocument/2006/relationships" xmlns:p="http://schemas.openxmlformats.org/presentationml/2006/main">
   <p:cSld>
     <p:bg>

--- a/assets/lectures/BPW_Lecture_04.pptx
+++ b/assets/lectures/BPW_Lecture_04.pptx
@@ -297,7 +297,7 @@
           <a:p>
             <a:fld id="{F57857CC-207A-4D73-9A20-C856A5068D10}" type="datetimeFigureOut">
               <a:rPr lang="en-US" smtClean="0"/>
-              <a:t>1/2/19</a:t>
+              <a:t>1/8/19</a:t>
             </a:fld>
             <a:endParaRPr lang="en-US"/>
           </a:p>
@@ -495,7 +495,7 @@
           <a:p>
             <a:fld id="{F57857CC-207A-4D73-9A20-C856A5068D10}" type="datetimeFigureOut">
               <a:rPr lang="en-US" smtClean="0"/>
-              <a:t>1/2/19</a:t>
+              <a:t>1/8/19</a:t>
             </a:fld>
             <a:endParaRPr lang="en-US"/>
           </a:p>
@@ -703,7 +703,7 @@
           <a:p>
             <a:fld id="{F57857CC-207A-4D73-9A20-C856A5068D10}" type="datetimeFigureOut">
               <a:rPr lang="en-US" smtClean="0"/>
-              <a:t>1/2/19</a:t>
+              <a:t>1/8/19</a:t>
             </a:fld>
             <a:endParaRPr lang="en-US"/>
           </a:p>
@@ -901,7 +901,7 @@
           <a:p>
             <a:fld id="{F57857CC-207A-4D73-9A20-C856A5068D10}" type="datetimeFigureOut">
               <a:rPr lang="en-US" smtClean="0"/>
-              <a:t>1/2/19</a:t>
+              <a:t>1/8/19</a:t>
             </a:fld>
             <a:endParaRPr lang="en-US"/>
           </a:p>
@@ -1176,7 +1176,7 @@
           <a:p>
             <a:fld id="{F57857CC-207A-4D73-9A20-C856A5068D10}" type="datetimeFigureOut">
               <a:rPr lang="en-US" smtClean="0"/>
-              <a:t>1/2/19</a:t>
+              <a:t>1/8/19</a:t>
             </a:fld>
             <a:endParaRPr lang="en-US"/>
           </a:p>
@@ -1441,7 +1441,7 @@
           <a:p>
             <a:fld id="{F57857CC-207A-4D73-9A20-C856A5068D10}" type="datetimeFigureOut">
               <a:rPr lang="en-US" smtClean="0"/>
-              <a:t>1/2/19</a:t>
+              <a:t>1/8/19</a:t>
             </a:fld>
             <a:endParaRPr lang="en-US"/>
           </a:p>
@@ -1853,7 +1853,7 @@
           <a:p>
             <a:fld id="{F57857CC-207A-4D73-9A20-C856A5068D10}" type="datetimeFigureOut">
               <a:rPr lang="en-US" smtClean="0"/>
-              <a:t>1/2/19</a:t>
+              <a:t>1/8/19</a:t>
             </a:fld>
             <a:endParaRPr lang="en-US"/>
           </a:p>
@@ -1994,7 +1994,7 @@
           <a:p>
             <a:fld id="{F57857CC-207A-4D73-9A20-C856A5068D10}" type="datetimeFigureOut">
               <a:rPr lang="en-US" smtClean="0"/>
-              <a:t>1/2/19</a:t>
+              <a:t>1/8/19</a:t>
             </a:fld>
             <a:endParaRPr lang="en-US"/>
           </a:p>
@@ -2107,7 +2107,7 @@
           <a:p>
             <a:fld id="{F57857CC-207A-4D73-9A20-C856A5068D10}" type="datetimeFigureOut">
               <a:rPr lang="en-US" smtClean="0"/>
-              <a:t>1/2/19</a:t>
+              <a:t>1/8/19</a:t>
             </a:fld>
             <a:endParaRPr lang="en-US"/>
           </a:p>
@@ -2418,7 +2418,7 @@
           <a:p>
             <a:fld id="{F57857CC-207A-4D73-9A20-C856A5068D10}" type="datetimeFigureOut">
               <a:rPr lang="en-US" smtClean="0"/>
-              <a:t>1/2/19</a:t>
+              <a:t>1/8/19</a:t>
             </a:fld>
             <a:endParaRPr lang="en-US"/>
           </a:p>
@@ -2706,7 +2706,7 @@
           <a:p>
             <a:fld id="{F57857CC-207A-4D73-9A20-C856A5068D10}" type="datetimeFigureOut">
               <a:rPr lang="en-US" smtClean="0"/>
-              <a:t>1/2/19</a:t>
+              <a:t>1/8/19</a:t>
             </a:fld>
             <a:endParaRPr lang="en-US"/>
           </a:p>
@@ -2947,7 +2947,7 @@
           <a:p>
             <a:fld id="{F57857CC-207A-4D73-9A20-C856A5068D10}" type="datetimeFigureOut">
               <a:rPr lang="en-US" smtClean="0"/>
-              <a:t>1/2/19</a:t>
+              <a:t>1/8/19</a:t>
             </a:fld>
             <a:endParaRPr lang="en-US"/>
           </a:p>
@@ -17899,7 +17899,31 @@
                   <a:srgbClr val="FF0000"/>
                 </a:solidFill>
               </a:rPr>
-              <a:t>style</a:t>
+              <a:t>style </a:t>
+            </a:r>
+            <a:r>
+              <a:rPr lang="en-US" dirty="0">
+                <a:solidFill>
+                  <a:srgbClr val="00B050"/>
+                </a:solidFill>
+              </a:rPr>
+              <a:t>type=‘text/</a:t>
+            </a:r>
+            <a:r>
+              <a:rPr lang="en-US" dirty="0" err="1">
+                <a:solidFill>
+                  <a:srgbClr val="00B050"/>
+                </a:solidFill>
+              </a:rPr>
+              <a:t>css</a:t>
+            </a:r>
+            <a:r>
+              <a:rPr lang="en-US" dirty="0">
+                <a:solidFill>
+                  <a:srgbClr val="00B050"/>
+                </a:solidFill>
+              </a:rPr>
+              <a:t>’</a:t>
             </a:r>
             <a:r>
               <a:rPr lang="en-US" dirty="0">

--- a/assets/lectures/BPW_Lecture_04.pptx
+++ b/assets/lectures/BPW_Lecture_04.pptx
@@ -297,7 +297,7 @@
           <a:p>
             <a:fld id="{F57857CC-207A-4D73-9A20-C856A5068D10}" type="datetimeFigureOut">
               <a:rPr lang="en-US" smtClean="0"/>
-              <a:t>1/8/19</a:t>
+              <a:t>1/12/19</a:t>
             </a:fld>
             <a:endParaRPr lang="en-US"/>
           </a:p>
@@ -495,7 +495,7 @@
           <a:p>
             <a:fld id="{F57857CC-207A-4D73-9A20-C856A5068D10}" type="datetimeFigureOut">
               <a:rPr lang="en-US" smtClean="0"/>
-              <a:t>1/8/19</a:t>
+              <a:t>1/12/19</a:t>
             </a:fld>
             <a:endParaRPr lang="en-US"/>
           </a:p>
@@ -703,7 +703,7 @@
           <a:p>
             <a:fld id="{F57857CC-207A-4D73-9A20-C856A5068D10}" type="datetimeFigureOut">
               <a:rPr lang="en-US" smtClean="0"/>
-              <a:t>1/8/19</a:t>
+              <a:t>1/12/19</a:t>
             </a:fld>
             <a:endParaRPr lang="en-US"/>
           </a:p>
@@ -901,7 +901,7 @@
           <a:p>
             <a:fld id="{F57857CC-207A-4D73-9A20-C856A5068D10}" type="datetimeFigureOut">
               <a:rPr lang="en-US" smtClean="0"/>
-              <a:t>1/8/19</a:t>
+              <a:t>1/12/19</a:t>
             </a:fld>
             <a:endParaRPr lang="en-US"/>
           </a:p>
@@ -1176,7 +1176,7 @@
           <a:p>
             <a:fld id="{F57857CC-207A-4D73-9A20-C856A5068D10}" type="datetimeFigureOut">
               <a:rPr lang="en-US" smtClean="0"/>
-              <a:t>1/8/19</a:t>
+              <a:t>1/12/19</a:t>
             </a:fld>
             <a:endParaRPr lang="en-US"/>
           </a:p>
@@ -1441,7 +1441,7 @@
           <a:p>
             <a:fld id="{F57857CC-207A-4D73-9A20-C856A5068D10}" type="datetimeFigureOut">
               <a:rPr lang="en-US" smtClean="0"/>
-              <a:t>1/8/19</a:t>
+              <a:t>1/12/19</a:t>
             </a:fld>
             <a:endParaRPr lang="en-US"/>
           </a:p>
@@ -1853,7 +1853,7 @@
           <a:p>
             <a:fld id="{F57857CC-207A-4D73-9A20-C856A5068D10}" type="datetimeFigureOut">
               <a:rPr lang="en-US" smtClean="0"/>
-              <a:t>1/8/19</a:t>
+              <a:t>1/12/19</a:t>
             </a:fld>
             <a:endParaRPr lang="en-US"/>
           </a:p>
@@ -1994,7 +1994,7 @@
           <a:p>
             <a:fld id="{F57857CC-207A-4D73-9A20-C856A5068D10}" type="datetimeFigureOut">
               <a:rPr lang="en-US" smtClean="0"/>
-              <a:t>1/8/19</a:t>
+              <a:t>1/12/19</a:t>
             </a:fld>
             <a:endParaRPr lang="en-US"/>
           </a:p>
@@ -2107,7 +2107,7 @@
           <a:p>
             <a:fld id="{F57857CC-207A-4D73-9A20-C856A5068D10}" type="datetimeFigureOut">
               <a:rPr lang="en-US" smtClean="0"/>
-              <a:t>1/8/19</a:t>
+              <a:t>1/12/19</a:t>
             </a:fld>
             <a:endParaRPr lang="en-US"/>
           </a:p>
@@ -2418,7 +2418,7 @@
           <a:p>
             <a:fld id="{F57857CC-207A-4D73-9A20-C856A5068D10}" type="datetimeFigureOut">
               <a:rPr lang="en-US" smtClean="0"/>
-              <a:t>1/8/19</a:t>
+              <a:t>1/12/19</a:t>
             </a:fld>
             <a:endParaRPr lang="en-US"/>
           </a:p>
@@ -2706,7 +2706,7 @@
           <a:p>
             <a:fld id="{F57857CC-207A-4D73-9A20-C856A5068D10}" type="datetimeFigureOut">
               <a:rPr lang="en-US" smtClean="0"/>
-              <a:t>1/8/19</a:t>
+              <a:t>1/12/19</a:t>
             </a:fld>
             <a:endParaRPr lang="en-US"/>
           </a:p>
@@ -2947,7 +2947,7 @@
           <a:p>
             <a:fld id="{F57857CC-207A-4D73-9A20-C856A5068D10}" type="datetimeFigureOut">
               <a:rPr lang="en-US" smtClean="0"/>
-              <a:t>1/8/19</a:t>
+              <a:t>1/12/19</a:t>
             </a:fld>
             <a:endParaRPr lang="en-US"/>
           </a:p>
@@ -18791,15 +18791,7 @@
           <a:p>
             <a:r>
               <a:rPr lang="en-US" sz="2000" dirty="0"/>
-              <a:t>Okay to do this a few times, but do not make a </a:t>
-            </a:r>
-            <a:r>
-              <a:rPr lang="en-US" sz="2000" dirty="0" err="1"/>
-              <a:t>habbit</a:t>
-            </a:r>
-            <a:r>
-              <a:rPr lang="en-US" sz="2000" dirty="0"/>
-              <a:t>.</a:t>
+              <a:t>Okay to do this a few times, but do not make a habit.</a:t>
             </a:r>
           </a:p>
         </p:txBody>
